--- a/docs/zwischenpräsentation.pptx
+++ b/docs/zwischenpräsentation.pptx
@@ -201,7 +201,7 @@
           <a:p>
             <a:fld id="{F28A9200-1302-4CA0-A8DD-E2F848C60DE6}" type="datetimeFigureOut">
               <a:rPr lang="de-DE" smtClean="0"/>
-              <a:t>13.05.2025</a:t>
+              <a:t>16.05.2025</a:t>
             </a:fld>
             <a:endParaRPr lang="de-DE"/>
           </a:p>
@@ -1109,9 +1109,9 @@
           <a:bodyPr/>
           <a:lstStyle/>
           <a:p>
-            <a:fld id="{E80C50CD-E178-4744-9B35-B2F624D6C5E9}" type="datetimeFigureOut">
+            <a:fld id="{B14864C5-9833-4DA8-8E7C-A008D4D99037}" type="datetime1">
               <a:rPr lang="en-US" smtClean="0"/>
-              <a:t>5/13/2025</a:t>
+              <a:t>5/16/2025</a:t>
             </a:fld>
             <a:endParaRPr lang="en-US"/>
           </a:p>
@@ -1307,9 +1307,9 @@
           <a:bodyPr/>
           <a:lstStyle/>
           <a:p>
-            <a:fld id="{E80C50CD-E178-4744-9B35-B2F624D6C5E9}" type="datetimeFigureOut">
+            <a:fld id="{B5AAFEA8-2945-408E-AB0D-DE23FE09465E}" type="datetime1">
               <a:rPr lang="en-US" smtClean="0"/>
-              <a:t>5/13/2025</a:t>
+              <a:t>5/16/2025</a:t>
             </a:fld>
             <a:endParaRPr lang="en-US"/>
           </a:p>
@@ -1515,9 +1515,9 @@
           <a:bodyPr/>
           <a:lstStyle/>
           <a:p>
-            <a:fld id="{E80C50CD-E178-4744-9B35-B2F624D6C5E9}" type="datetimeFigureOut">
+            <a:fld id="{3B48B5C8-6B0E-4139-A243-4EE4031EE94A}" type="datetime1">
               <a:rPr lang="en-US" smtClean="0"/>
-              <a:t>5/13/2025</a:t>
+              <a:t>5/16/2025</a:t>
             </a:fld>
             <a:endParaRPr lang="en-US"/>
           </a:p>
@@ -1765,9 +1765,9 @@
           <a:bodyPr/>
           <a:lstStyle/>
           <a:p>
-            <a:fld id="{E80C50CD-E178-4744-9B35-B2F624D6C5E9}" type="datetimeFigureOut">
+            <a:fld id="{A67BE458-DC07-416D-BE43-E091D63CBBC3}" type="datetime1">
               <a:rPr lang="en-US" smtClean="0"/>
-              <a:t>5/13/2025</a:t>
+              <a:t>5/16/2025</a:t>
             </a:fld>
             <a:endParaRPr lang="en-US"/>
           </a:p>
@@ -2044,9 +2044,9 @@
           <a:bodyPr/>
           <a:lstStyle/>
           <a:p>
-            <a:fld id="{E80C50CD-E178-4744-9B35-B2F624D6C5E9}" type="datetimeFigureOut">
+            <a:fld id="{D2F12471-7BA0-4F30-BB34-18E8F1C8DC1E}" type="datetime1">
               <a:rPr lang="en-US" smtClean="0"/>
-              <a:t>5/13/2025</a:t>
+              <a:t>5/16/2025</a:t>
             </a:fld>
             <a:endParaRPr lang="en-US"/>
           </a:p>
@@ -2361,9 +2361,9 @@
           <a:bodyPr/>
           <a:lstStyle/>
           <a:p>
-            <a:fld id="{E80C50CD-E178-4744-9B35-B2F624D6C5E9}" type="datetimeFigureOut">
+            <a:fld id="{164DF225-7882-4625-9D85-E620BEA5F880}" type="datetime1">
               <a:rPr lang="en-US" smtClean="0"/>
-              <a:t>5/13/2025</a:t>
+              <a:t>5/16/2025</a:t>
             </a:fld>
             <a:endParaRPr lang="en-US"/>
           </a:p>
@@ -2777,9 +2777,9 @@
           <a:bodyPr/>
           <a:lstStyle/>
           <a:p>
-            <a:fld id="{E80C50CD-E178-4744-9B35-B2F624D6C5E9}" type="datetimeFigureOut">
+            <a:fld id="{DF224288-971C-4E37-A120-B4C1484AE9C8}" type="datetime1">
               <a:rPr lang="en-US" smtClean="0"/>
-              <a:t>5/13/2025</a:t>
+              <a:t>5/16/2025</a:t>
             </a:fld>
             <a:endParaRPr lang="en-US"/>
           </a:p>
@@ -2918,9 +2918,9 @@
           <a:bodyPr/>
           <a:lstStyle/>
           <a:p>
-            <a:fld id="{E80C50CD-E178-4744-9B35-B2F624D6C5E9}" type="datetimeFigureOut">
+            <a:fld id="{32631417-4CC5-4FBE-9A98-4C3F87C8AEE2}" type="datetime1">
               <a:rPr lang="en-US" smtClean="0"/>
-              <a:t>5/13/2025</a:t>
+              <a:t>5/16/2025</a:t>
             </a:fld>
             <a:endParaRPr lang="en-US"/>
           </a:p>
@@ -3031,9 +3031,9 @@
           <a:bodyPr/>
           <a:lstStyle/>
           <a:p>
-            <a:fld id="{E80C50CD-E178-4744-9B35-B2F624D6C5E9}" type="datetimeFigureOut">
+            <a:fld id="{1F4426EE-BC27-490C-B2BC-D8BB4E2B37D6}" type="datetime1">
               <a:rPr lang="en-US" smtClean="0"/>
-              <a:t>5/13/2025</a:t>
+              <a:t>5/16/2025</a:t>
             </a:fld>
             <a:endParaRPr lang="en-US"/>
           </a:p>
@@ -3348,9 +3348,9 @@
           <a:bodyPr/>
           <a:lstStyle/>
           <a:p>
-            <a:fld id="{E80C50CD-E178-4744-9B35-B2F624D6C5E9}" type="datetimeFigureOut">
+            <a:fld id="{2AEE7A14-F80D-4877-B8ED-C5D42DD4EEDD}" type="datetime1">
               <a:rPr lang="en-US" smtClean="0"/>
-              <a:t>5/13/2025</a:t>
+              <a:t>5/16/2025</a:t>
             </a:fld>
             <a:endParaRPr lang="en-US"/>
           </a:p>
@@ -3640,9 +3640,9 @@
           <a:bodyPr/>
           <a:lstStyle/>
           <a:p>
-            <a:fld id="{E80C50CD-E178-4744-9B35-B2F624D6C5E9}" type="datetimeFigureOut">
+            <a:fld id="{6BE5CD81-025E-4FA6-8658-DD5DC76A24F0}" type="datetime1">
               <a:rPr lang="en-US" smtClean="0"/>
-              <a:t>5/13/2025</a:t>
+              <a:t>5/16/2025</a:t>
             </a:fld>
             <a:endParaRPr lang="en-US"/>
           </a:p>
@@ -3879,10 +3879,9 @@
             </a:lvl1pPr>
           </a:lstStyle>
           <a:p>
-            <a:fld id="{E80C50CD-E178-4744-9B35-B2F624D6C5E9}" type="datetimeFigureOut">
+            <a:fld id="{8776A498-A96D-431C-836F-7D1686D5227F}" type="datetime1">
               <a:rPr lang="en-US" smtClean="0"/>
-              <a:pPr/>
-              <a:t>5/13/2025</a:t>
+              <a:t>5/16/2025</a:t>
             </a:fld>
             <a:endParaRPr lang="en-US"/>
           </a:p>
@@ -4096,6 +4095,7 @@
     <p:sldLayoutId id="2147483665" r:id="rId10"/>
     <p:sldLayoutId id="2147483667" r:id="rId11"/>
   </p:sldLayoutIdLst>
+  <p:hf hdr="0" ftr="0" dt="0"/>
   <p:txStyles>
     <p:titleStyle>
       <a:lvl1pPr algn="l" defTabSz="914400" rtl="0" eaLnBrk="1" latinLnBrk="0" hangingPunct="1">
@@ -5082,6 +5082,35 @@
           </a:p>
         </p:txBody>
       </p:sp>
+      <p:sp>
+        <p:nvSpPr>
+          <p:cNvPr id="4" name="Foliennummernplatzhalter 3">
+            <a:extLst>
+              <a:ext uri="{FF2B5EF4-FFF2-40B4-BE49-F238E27FC236}">
+                <a16:creationId xmlns:a16="http://schemas.microsoft.com/office/drawing/2014/main" id="{16F531D3-E3ED-0D1F-24A0-879175C56E48}"/>
+              </a:ext>
+            </a:extLst>
+          </p:cNvPr>
+          <p:cNvSpPr>
+            <a:spLocks noGrp="1"/>
+          </p:cNvSpPr>
+          <p:nvPr>
+            <p:ph type="sldNum" sz="quarter" idx="12"/>
+          </p:nvPr>
+        </p:nvSpPr>
+        <p:spPr/>
+        <p:txBody>
+          <a:bodyPr/>
+          <a:lstStyle/>
+          <a:p>
+            <a:fld id="{148CC95F-0247-41B6-91CF-DC97C76A7088}" type="slidenum">
+              <a:rPr lang="en-US" smtClean="0"/>
+              <a:t>1</a:t>
+            </a:fld>
+            <a:endParaRPr lang="en-US"/>
+          </a:p>
+        </p:txBody>
+      </p:sp>
     </p:spTree>
     <p:extLst>
       <p:ext uri="{BB962C8B-B14F-4D97-AF65-F5344CB8AC3E}">
@@ -5092,312 +5121,6 @@
   <p:clrMapOvr>
     <a:overrideClrMapping bg1="dk1" tx1="lt1" bg2="dk2" tx2="lt2" accent1="accent1" accent2="accent2" accent3="accent3" accent4="accent4" accent5="accent5" accent6="accent6" hlink="hlink" folHlink="folHlink"/>
   </p:clrMapOvr>
-  <p:timing>
-    <p:tnLst>
-      <p:par>
-        <p:cTn id="1" dur="indefinite" restart="never" nodeType="tmRoot">
-          <p:childTnLst>
-            <p:seq concurrent="1" nextAc="seek">
-              <p:cTn id="2" dur="indefinite" nodeType="mainSeq">
-                <p:childTnLst>
-                  <p:par>
-                    <p:cTn id="3" fill="hold">
-                      <p:stCondLst>
-                        <p:cond delay="indefinite"/>
-                        <p:cond evt="onBegin" delay="0">
-                          <p:tn val="2"/>
-                        </p:cond>
-                      </p:stCondLst>
-                      <p:childTnLst>
-                        <p:par>
-                          <p:cTn id="4" fill="hold">
-                            <p:stCondLst>
-                              <p:cond delay="0"/>
-                            </p:stCondLst>
-                            <p:childTnLst>
-                              <p:par>
-                                <p:cTn id="5" presetID="10" presetClass="entr" presetSubtype="0" fill="hold" grpId="0" nodeType="withEffect">
-                                  <p:stCondLst>
-                                    <p:cond delay="1000"/>
-                                  </p:stCondLst>
-                                  <p:iterate type="lt">
-                                    <p:tmPct val="10000"/>
-                                  </p:iterate>
-                                  <p:childTnLst>
-                                    <p:set>
-                                      <p:cBhvr>
-                                        <p:cTn id="6" dur="1" fill="hold">
-                                          <p:stCondLst>
-                                            <p:cond delay="0"/>
-                                          </p:stCondLst>
-                                        </p:cTn>
-                                        <p:tgtEl>
-                                          <p:spTgt spid="2"/>
-                                        </p:tgtEl>
-                                        <p:attrNameLst>
-                                          <p:attrName>style.visibility</p:attrName>
-                                        </p:attrNameLst>
-                                      </p:cBhvr>
-                                      <p:to>
-                                        <p:strVal val="visible"/>
-                                      </p:to>
-                                    </p:set>
-                                    <p:animEffect transition="in" filter="fade">
-                                      <p:cBhvr>
-                                        <p:cTn id="7" dur="400"/>
-                                        <p:tgtEl>
-                                          <p:spTgt spid="2"/>
-                                        </p:tgtEl>
-                                      </p:cBhvr>
-                                    </p:animEffect>
-                                  </p:childTnLst>
-                                </p:cTn>
-                              </p:par>
-                              <p:par>
-                                <p:cTn id="8" presetID="10" presetClass="entr" presetSubtype="0" fill="hold" grpId="0" nodeType="withEffect">
-                                  <p:stCondLst>
-                                    <p:cond delay="2000"/>
-                                  </p:stCondLst>
-                                  <p:iterate type="lt">
-                                    <p:tmPct val="10000"/>
-                                  </p:iterate>
-                                  <p:childTnLst>
-                                    <p:set>
-                                      <p:cBhvr>
-                                        <p:cTn id="9" dur="1" fill="hold">
-                                          <p:stCondLst>
-                                            <p:cond delay="0"/>
-                                          </p:stCondLst>
-                                        </p:cTn>
-                                        <p:tgtEl>
-                                          <p:spTgt spid="5">
-                                            <p:txEl>
-                                              <p:pRg st="0" end="0"/>
-                                            </p:txEl>
-                                          </p:spTgt>
-                                        </p:tgtEl>
-                                        <p:attrNameLst>
-                                          <p:attrName>style.visibility</p:attrName>
-                                        </p:attrNameLst>
-                                      </p:cBhvr>
-                                      <p:to>
-                                        <p:strVal val="visible"/>
-                                      </p:to>
-                                    </p:set>
-                                    <p:animEffect transition="in" filter="fade">
-                                      <p:cBhvr>
-                                        <p:cTn id="10" dur="400"/>
-                                        <p:tgtEl>
-                                          <p:spTgt spid="5">
-                                            <p:txEl>
-                                              <p:pRg st="0" end="0"/>
-                                            </p:txEl>
-                                          </p:spTgt>
-                                        </p:tgtEl>
-                                      </p:cBhvr>
-                                    </p:animEffect>
-                                  </p:childTnLst>
-                                </p:cTn>
-                              </p:par>
-                            </p:childTnLst>
-                          </p:cTn>
-                        </p:par>
-                      </p:childTnLst>
-                    </p:cTn>
-                  </p:par>
-                  <p:par>
-                    <p:cTn id="11" fill="hold">
-                      <p:stCondLst>
-                        <p:cond delay="indefinite"/>
-                      </p:stCondLst>
-                      <p:childTnLst>
-                        <p:par>
-                          <p:cTn id="12" fill="hold">
-                            <p:stCondLst>
-                              <p:cond delay="0"/>
-                            </p:stCondLst>
-                            <p:childTnLst>
-                              <p:par>
-                                <p:cTn id="13" presetID="10" presetClass="entr" presetSubtype="0" fill="hold" grpId="0" nodeType="clickEffect">
-                                  <p:stCondLst>
-                                    <p:cond delay="2000"/>
-                                  </p:stCondLst>
-                                  <p:iterate type="lt">
-                                    <p:tmPct val="10000"/>
-                                  </p:iterate>
-                                  <p:childTnLst>
-                                    <p:set>
-                                      <p:cBhvr>
-                                        <p:cTn id="14" dur="1" fill="hold">
-                                          <p:stCondLst>
-                                            <p:cond delay="0"/>
-                                          </p:stCondLst>
-                                        </p:cTn>
-                                        <p:tgtEl>
-                                          <p:spTgt spid="5">
-                                            <p:txEl>
-                                              <p:pRg st="1" end="1"/>
-                                            </p:txEl>
-                                          </p:spTgt>
-                                        </p:tgtEl>
-                                        <p:attrNameLst>
-                                          <p:attrName>style.visibility</p:attrName>
-                                        </p:attrNameLst>
-                                      </p:cBhvr>
-                                      <p:to>
-                                        <p:strVal val="visible"/>
-                                      </p:to>
-                                    </p:set>
-                                    <p:animEffect transition="in" filter="fade">
-                                      <p:cBhvr>
-                                        <p:cTn id="15" dur="400"/>
-                                        <p:tgtEl>
-                                          <p:spTgt spid="5">
-                                            <p:txEl>
-                                              <p:pRg st="1" end="1"/>
-                                            </p:txEl>
-                                          </p:spTgt>
-                                        </p:tgtEl>
-                                      </p:cBhvr>
-                                    </p:animEffect>
-                                  </p:childTnLst>
-                                </p:cTn>
-                              </p:par>
-                            </p:childTnLst>
-                          </p:cTn>
-                        </p:par>
-                      </p:childTnLst>
-                    </p:cTn>
-                  </p:par>
-                  <p:par>
-                    <p:cTn id="16" fill="hold">
-                      <p:stCondLst>
-                        <p:cond delay="indefinite"/>
-                      </p:stCondLst>
-                      <p:childTnLst>
-                        <p:par>
-                          <p:cTn id="17" fill="hold">
-                            <p:stCondLst>
-                              <p:cond delay="0"/>
-                            </p:stCondLst>
-                            <p:childTnLst>
-                              <p:par>
-                                <p:cTn id="18" presetID="10" presetClass="entr" presetSubtype="0" fill="hold" grpId="0" nodeType="clickEffect">
-                                  <p:stCondLst>
-                                    <p:cond delay="2000"/>
-                                  </p:stCondLst>
-                                  <p:iterate type="lt">
-                                    <p:tmPct val="10000"/>
-                                  </p:iterate>
-                                  <p:childTnLst>
-                                    <p:set>
-                                      <p:cBhvr>
-                                        <p:cTn id="19" dur="1" fill="hold">
-                                          <p:stCondLst>
-                                            <p:cond delay="0"/>
-                                          </p:stCondLst>
-                                        </p:cTn>
-                                        <p:tgtEl>
-                                          <p:spTgt spid="5">
-                                            <p:txEl>
-                                              <p:pRg st="2" end="2"/>
-                                            </p:txEl>
-                                          </p:spTgt>
-                                        </p:tgtEl>
-                                        <p:attrNameLst>
-                                          <p:attrName>style.visibility</p:attrName>
-                                        </p:attrNameLst>
-                                      </p:cBhvr>
-                                      <p:to>
-                                        <p:strVal val="visible"/>
-                                      </p:to>
-                                    </p:set>
-                                    <p:animEffect transition="in" filter="fade">
-                                      <p:cBhvr>
-                                        <p:cTn id="20" dur="400"/>
-                                        <p:tgtEl>
-                                          <p:spTgt spid="5">
-                                            <p:txEl>
-                                              <p:pRg st="2" end="2"/>
-                                            </p:txEl>
-                                          </p:spTgt>
-                                        </p:tgtEl>
-                                      </p:cBhvr>
-                                    </p:animEffect>
-                                  </p:childTnLst>
-                                </p:cTn>
-                              </p:par>
-                              <p:par>
-                                <p:cTn id="21" presetID="10" presetClass="entr" presetSubtype="0" fill="hold" grpId="0" nodeType="withEffect">
-                                  <p:stCondLst>
-                                    <p:cond delay="1000"/>
-                                  </p:stCondLst>
-                                  <p:iterate type="lt">
-                                    <p:tmPct val="10000"/>
-                                  </p:iterate>
-                                  <p:childTnLst>
-                                    <p:set>
-                                      <p:cBhvr>
-                                        <p:cTn id="22" dur="1" fill="hold">
-                                          <p:stCondLst>
-                                            <p:cond delay="0"/>
-                                          </p:stCondLst>
-                                        </p:cTn>
-                                        <p:tgtEl>
-                                          <p:spTgt spid="3"/>
-                                        </p:tgtEl>
-                                        <p:attrNameLst>
-                                          <p:attrName>style.visibility</p:attrName>
-                                        </p:attrNameLst>
-                                      </p:cBhvr>
-                                      <p:to>
-                                        <p:strVal val="visible"/>
-                                      </p:to>
-                                    </p:set>
-                                    <p:animEffect transition="in" filter="fade">
-                                      <p:cBhvr>
-                                        <p:cTn id="23" dur="400"/>
-                                        <p:tgtEl>
-                                          <p:spTgt spid="3"/>
-                                        </p:tgtEl>
-                                      </p:cBhvr>
-                                    </p:animEffect>
-                                  </p:childTnLst>
-                                </p:cTn>
-                              </p:par>
-                            </p:childTnLst>
-                          </p:cTn>
-                        </p:par>
-                      </p:childTnLst>
-                    </p:cTn>
-                  </p:par>
-                </p:childTnLst>
-              </p:cTn>
-              <p:prevCondLst>
-                <p:cond evt="onPrev" delay="0">
-                  <p:tgtEl>
-                    <p:sldTgt/>
-                  </p:tgtEl>
-                </p:cond>
-              </p:prevCondLst>
-              <p:nextCondLst>
-                <p:cond evt="onNext" delay="0">
-                  <p:tgtEl>
-                    <p:sldTgt/>
-                  </p:tgtEl>
-                </p:cond>
-              </p:nextCondLst>
-            </p:seq>
-          </p:childTnLst>
-        </p:cTn>
-      </p:par>
-    </p:tnLst>
-    <p:bldLst>
-      <p:bldP spid="2" grpId="0"/>
-      <p:bldP spid="5" grpId="0" build="p"/>
-      <p:bldP spid="3" grpId="0"/>
-    </p:bldLst>
-  </p:timing>
 </p:sld>
 </file>
 
@@ -5478,11 +5201,84 @@
         </p:spPr>
         <p:txBody>
           <a:bodyPr>
-            <a:normAutofit/>
+            <a:normAutofit fontScale="92500" lnSpcReduction="10000"/>
           </a:bodyPr>
           <a:lstStyle/>
           <a:p>
-            <a:pPr algn="l" rtl="0">
+            <a:pPr>
+              <a:lnSpc>
+                <a:spcPts val="1425"/>
+              </a:lnSpc>
+              <a:buNone/>
+            </a:pPr>
+            <a:r>
+              <a:rPr lang="de-DE" sz="2400" b="1" dirty="0">
+                <a:effectLst/>
+                <a:latin typeface="-apple-system"/>
+              </a:rPr>
+              <a:t>ORBIT == </a:t>
+            </a:r>
+            <a:r>
+              <a:rPr lang="de-DE" sz="2400" b="1" dirty="0" err="1">
+                <a:effectLst/>
+                <a:latin typeface="-apple-system"/>
+              </a:rPr>
+              <a:t>Optimized</a:t>
+            </a:r>
+            <a:r>
+              <a:rPr lang="de-DE" sz="2400" b="1" dirty="0">
+                <a:effectLst/>
+                <a:latin typeface="-apple-system"/>
+              </a:rPr>
+              <a:t> Retrieval </a:t>
+            </a:r>
+            <a:r>
+              <a:rPr lang="de-DE" sz="2400" b="1" dirty="0" err="1">
+                <a:effectLst/>
+                <a:latin typeface="-apple-system"/>
+              </a:rPr>
+              <a:t>for</a:t>
+            </a:r>
+            <a:r>
+              <a:rPr lang="de-DE" sz="2400" b="1" dirty="0">
+                <a:effectLst/>
+                <a:latin typeface="-apple-system"/>
+              </a:rPr>
+              <a:t> </a:t>
+            </a:r>
+            <a:r>
+              <a:rPr lang="de-DE" sz="2400" b="1" dirty="0" err="1">
+                <a:effectLst/>
+                <a:latin typeface="-apple-system"/>
+              </a:rPr>
+              <a:t>Beyond</a:t>
+            </a:r>
+            <a:r>
+              <a:rPr lang="de-DE" sz="2400" b="1" dirty="0">
+                <a:effectLst/>
+                <a:latin typeface="-apple-system"/>
+              </a:rPr>
+              <a:t> Interstellar Technologies</a:t>
+            </a:r>
+            <a:endParaRPr lang="de-DE" sz="2400" b="0" dirty="0">
+              <a:effectLst/>
+              <a:latin typeface="-apple-system"/>
+            </a:endParaRPr>
+          </a:p>
+          <a:p>
+            <a:pPr>
+              <a:buNone/>
+            </a:pPr>
+            <a:endParaRPr lang="de-DE" sz="2400" b="0" i="0" dirty="0">
+              <a:solidFill>
+                <a:srgbClr val="000000"/>
+              </a:solidFill>
+              <a:effectLst/>
+              <a:latin typeface="-apple-system"/>
+            </a:endParaRPr>
+          </a:p>
+          <a:p>
+            <a:pPr>
               <a:buNone/>
             </a:pPr>
             <a:r>
@@ -5609,29 +5405,19 @@
                 <a:effectLst/>
                 <a:latin typeface="-apple-system"/>
               </a:rPr>
-              <a:t>License: </a:t>
-            </a:r>
-            <a:r>
-              <a:rPr lang="de-DE" sz="2400" b="0" i="0" dirty="0">
+              <a:t>Lizenz: </a:t>
+            </a:r>
+            <a:r>
+              <a:rPr lang="de-DE" sz="2400" b="1" i="0" dirty="0">
                 <a:solidFill>
                   <a:srgbClr val="000000"/>
                 </a:solidFill>
                 <a:effectLst/>
                 <a:latin typeface="freight-sans-pro"/>
               </a:rPr>
-              <a:t>Creative Commons </a:t>
-            </a:r>
-            <a:r>
-              <a:rPr lang="de-DE" sz="2400" b="0" i="0" dirty="0" err="1">
-                <a:solidFill>
-                  <a:srgbClr val="000000"/>
-                </a:solidFill>
-                <a:effectLst/>
-                <a:latin typeface="freight-sans-pro"/>
-              </a:rPr>
-              <a:t>licenses</a:t>
-            </a:r>
-            <a:endParaRPr lang="de-DE" sz="2400" i="0" dirty="0">
+              <a:t>Creative Commons License (Hängt aber von jedem Paper ab)</a:t>
+            </a:r>
+            <a:endParaRPr lang="de-DE" sz="2400" b="1" i="0" dirty="0">
               <a:effectLst/>
               <a:latin typeface="-apple-system"/>
             </a:endParaRPr>
@@ -5674,6 +5460,35 @@
           </a:prstGeom>
         </p:spPr>
       </p:pic>
+      <p:sp>
+        <p:nvSpPr>
+          <p:cNvPr id="5" name="Foliennummernplatzhalter 4">
+            <a:extLst>
+              <a:ext uri="{FF2B5EF4-FFF2-40B4-BE49-F238E27FC236}">
+                <a16:creationId xmlns:a16="http://schemas.microsoft.com/office/drawing/2014/main" id="{4478FD98-9B0D-7B4A-3352-2AFB67AC3B0F}"/>
+              </a:ext>
+            </a:extLst>
+          </p:cNvPr>
+          <p:cNvSpPr>
+            <a:spLocks noGrp="1"/>
+          </p:cNvSpPr>
+          <p:nvPr>
+            <p:ph type="sldNum" sz="quarter" idx="12"/>
+          </p:nvPr>
+        </p:nvSpPr>
+        <p:spPr/>
+        <p:txBody>
+          <a:bodyPr/>
+          <a:lstStyle/>
+          <a:p>
+            <a:fld id="{148CC95F-0247-41B6-91CF-DC97C76A7088}" type="slidenum">
+              <a:rPr lang="en-US" smtClean="0"/>
+              <a:t>2</a:t>
+            </a:fld>
+            <a:endParaRPr lang="en-US"/>
+          </a:p>
+        </p:txBody>
+      </p:sp>
     </p:spTree>
     <p:extLst>
       <p:ext uri="{BB962C8B-B14F-4D97-AF65-F5344CB8AC3E}">
@@ -5739,7 +5554,7 @@
           <a:lstStyle/>
           <a:p>
             <a:r>
-              <a:rPr lang="de-DE" dirty="0" err="1"/>
+              <a:rPr lang="de-DE" dirty="0"/>
               <a:t>Datenshema</a:t>
             </a:r>
             <a:endParaRPr lang="de-DE" b="0" dirty="0"/>
@@ -5762,14 +5577,14 @@
             <p:ph idx="1"/>
             <p:extLst>
               <p:ext uri="{D42A27DB-BD31-4B8C-83A1-F6EECF244321}">
-                <p14:modId xmlns:p14="http://schemas.microsoft.com/office/powerpoint/2010/main" val="3810971866"/>
+                <p14:modId xmlns:p14="http://schemas.microsoft.com/office/powerpoint/2010/main" val="3216584466"/>
               </p:ext>
             </p:extLst>
           </p:nvPr>
         </p:nvGraphicFramePr>
         <p:xfrm>
-          <a:off x="524384" y="2151397"/>
-          <a:ext cx="11156951" cy="1385625"/>
+          <a:off x="179894" y="2047039"/>
+          <a:ext cx="11832212" cy="1116385"/>
         </p:xfrm>
         <a:graphic>
           <a:graphicData uri="http://schemas.openxmlformats.org/drawingml/2006/table">
@@ -5778,72 +5593,93 @@
                 <a:tableStyleId>{5C22544A-7EE6-4342-B048-85BDC9FD1C3A}</a:tableStyleId>
               </a:tblPr>
               <a:tblGrid>
-                <a:gridCol w="892418">
+                <a:gridCol w="971741">
                   <a:extLst>
                     <a:ext uri="{9D8B030D-6E8A-4147-A177-3AD203B41FA5}">
                       <a16:colId xmlns:a16="http://schemas.microsoft.com/office/drawing/2014/main" val="1170924777"/>
                     </a:ext>
                   </a:extLst>
                 </a:gridCol>
-                <a:gridCol w="812800">
+                <a:gridCol w="616268">
                   <a:extLst>
                     <a:ext uri="{9D8B030D-6E8A-4147-A177-3AD203B41FA5}">
                       <a16:colId xmlns:a16="http://schemas.microsoft.com/office/drawing/2014/main" val="482104974"/>
                     </a:ext>
                   </a:extLst>
                 </a:gridCol>
-                <a:gridCol w="2013766">
+                <a:gridCol w="651066">
                   <a:extLst>
                     <a:ext uri="{9D8B030D-6E8A-4147-A177-3AD203B41FA5}">
                       <a16:colId xmlns:a16="http://schemas.microsoft.com/office/drawing/2014/main" val="200419855"/>
                     </a:ext>
                   </a:extLst>
                 </a:gridCol>
-                <a:gridCol w="1690280">
+                <a:gridCol w="819912">
+                  <a:extLst>
+                    <a:ext uri="{9D8B030D-6E8A-4147-A177-3AD203B41FA5}">
+                      <a16:colId xmlns:a16="http://schemas.microsoft.com/office/drawing/2014/main" val="3316460793"/>
+                    </a:ext>
+                  </a:extLst>
+                </a:gridCol>
+                <a:gridCol w="1057275">
                   <a:extLst>
                     <a:ext uri="{9D8B030D-6E8A-4147-A177-3AD203B41FA5}">
                       <a16:colId xmlns:a16="http://schemas.microsoft.com/office/drawing/2014/main" val="1380248483"/>
                     </a:ext>
                   </a:extLst>
                 </a:gridCol>
-                <a:gridCol w="1637212">
+                <a:gridCol w="1527175">
                   <a:extLst>
                     <a:ext uri="{9D8B030D-6E8A-4147-A177-3AD203B41FA5}">
                       <a16:colId xmlns:a16="http://schemas.microsoft.com/office/drawing/2014/main" val="123840647"/>
                     </a:ext>
                   </a:extLst>
                 </a:gridCol>
-                <a:gridCol w="940525">
+                <a:gridCol w="1342708">
                   <a:extLst>
                     <a:ext uri="{9D8B030D-6E8A-4147-A177-3AD203B41FA5}">
                       <a16:colId xmlns:a16="http://schemas.microsoft.com/office/drawing/2014/main" val="3453127449"/>
                     </a:ext>
                   </a:extLst>
                 </a:gridCol>
-                <a:gridCol w="690628">
+                <a:gridCol w="948182">
                   <a:extLst>
                     <a:ext uri="{9D8B030D-6E8A-4147-A177-3AD203B41FA5}">
                       <a16:colId xmlns:a16="http://schemas.microsoft.com/office/drawing/2014/main" val="2037564263"/>
                     </a:ext>
                   </a:extLst>
                 </a:gridCol>
-                <a:gridCol w="1239661">
+                <a:gridCol w="1163130">
+                  <a:extLst>
+                    <a:ext uri="{9D8B030D-6E8A-4147-A177-3AD203B41FA5}">
+                      <a16:colId xmlns:a16="http://schemas.microsoft.com/office/drawing/2014/main" val="776408941"/>
+                    </a:ext>
+                  </a:extLst>
+                </a:gridCol>
+                <a:gridCol w="638493">
                   <a:extLst>
                     <a:ext uri="{9D8B030D-6E8A-4147-A177-3AD203B41FA5}">
                       <a16:colId xmlns:a16="http://schemas.microsoft.com/office/drawing/2014/main" val="2574270800"/>
                     </a:ext>
                   </a:extLst>
                 </a:gridCol>
-                <a:gridCol w="1239661">
+                <a:gridCol w="1125855">
                   <a:extLst>
                     <a:ext uri="{9D8B030D-6E8A-4147-A177-3AD203B41FA5}">
                       <a16:colId xmlns:a16="http://schemas.microsoft.com/office/drawing/2014/main" val="1099876349"/>
                     </a:ext>
                   </a:extLst>
                 </a:gridCol>
+                <a:gridCol w="970407">
+                  <a:extLst>
+                    <a:ext uri="{9D8B030D-6E8A-4147-A177-3AD203B41FA5}">
+                      <a16:colId xmlns:a16="http://schemas.microsoft.com/office/drawing/2014/main" val="3876670544"/>
+                    </a:ext>
+                  </a:extLst>
+                </a:gridCol>
               </a:tblGrid>
               <a:tr h="374705">
-                <a:tc gridSpan="8">
+                <a:tc gridSpan="12">
                   <a:txBody>
                     <a:bodyPr/>
                     <a:lstStyle/>
@@ -5854,6 +5690,36 @@
                         <a:t>arXiv</a:t>
                       </a:r>
                       <a:endParaRPr lang="de-DE" dirty="0"/>
+                    </a:p>
+                  </a:txBody>
+                  <a:tcPr/>
+                </a:tc>
+                <a:tc hMerge="1">
+                  <a:txBody>
+                    <a:bodyPr/>
+                    <a:lstStyle/>
+                    <a:p>
+                      <a:endParaRPr lang="de-DE" dirty="0"/>
+                    </a:p>
+                  </a:txBody>
+                  <a:tcPr/>
+                </a:tc>
+                <a:tc hMerge="1">
+                  <a:txBody>
+                    <a:bodyPr/>
+                    <a:lstStyle/>
+                    <a:p>
+                      <a:endParaRPr lang="de-DE" dirty="0"/>
+                    </a:p>
+                  </a:txBody>
+                  <a:tcPr/>
+                </a:tc>
+                <a:tc hMerge="1">
+                  <a:txBody>
+                    <a:bodyPr/>
+                    <a:lstStyle/>
+                    <a:p>
+                      <a:endParaRPr lang="de-DE"/>
                     </a:p>
                   </a:txBody>
                   <a:tcPr/>
@@ -5903,7 +5769,7 @@
                     <a:bodyPr/>
                     <a:lstStyle/>
                     <a:p>
-                      <a:endParaRPr lang="de-DE" dirty="0"/>
+                      <a:endParaRPr lang="de-DE"/>
                     </a:p>
                   </a:txBody>
                   <a:tcPr/>
@@ -5913,6 +5779,7 @@
                     <a:bodyPr/>
                     <a:lstStyle/>
                     <a:p>
+                      <a:pPr algn="ctr"/>
                       <a:endParaRPr lang="de-DE" dirty="0"/>
                     </a:p>
                   </a:txBody>
@@ -5929,7 +5796,7 @@
                   </a:txBody>
                   <a:tcPr/>
                 </a:tc>
-                <a:tc>
+                <a:tc hMerge="1">
                   <a:txBody>
                     <a:bodyPr/>
                     <a:lstStyle/>
@@ -5954,21 +5821,11 @@
                     <a:p>
                       <a:r>
                         <a:rPr lang="de-DE" dirty="0" err="1"/>
-                        <a:t>Doi</a:t>
+                        <a:t>Arxiv</a:t>
                       </a:r>
-                      <a:endParaRPr lang="de-DE" dirty="0"/>
-                    </a:p>
-                  </a:txBody>
-                  <a:tcPr/>
-                </a:tc>
-                <a:tc>
-                  <a:txBody>
-                    <a:bodyPr/>
-                    <a:lstStyle/>
-                    <a:p>
                       <a:r>
                         <a:rPr lang="de-DE" dirty="0"/>
-                        <a:t>Title</a:t>
+                        <a:t> ID</a:t>
                       </a:r>
                     </a:p>
                   </a:txBody>
@@ -5981,15 +5838,46 @@
                     <a:p>
                       <a:r>
                         <a:rPr lang="de-DE" dirty="0"/>
-                        <a:t>Summary (</a:t>
+                        <a:t>DOI</a:t>
                       </a:r>
-                      <a:r>
-                        <a:rPr lang="de-DE" dirty="0" err="1"/>
-                        <a:t>abstarct</a:t>
-                      </a:r>
+                    </a:p>
+                  </a:txBody>
+                  <a:tcPr/>
+                </a:tc>
+                <a:tc>
+                  <a:txBody>
+                    <a:bodyPr/>
+                    <a:lstStyle/>
+                    <a:p>
                       <a:r>
                         <a:rPr lang="de-DE" dirty="0"/>
-                        <a:t>)</a:t>
+                        <a:t>Titel</a:t>
+                      </a:r>
+                    </a:p>
+                  </a:txBody>
+                  <a:tcPr/>
+                </a:tc>
+                <a:tc>
+                  <a:txBody>
+                    <a:bodyPr/>
+                    <a:lstStyle/>
+                    <a:p>
+                      <a:r>
+                        <a:rPr lang="de-DE" dirty="0"/>
+                        <a:t>Autor</a:t>
+                      </a:r>
+                    </a:p>
+                  </a:txBody>
+                  <a:tcPr/>
+                </a:tc>
+                <a:tc>
+                  <a:txBody>
+                    <a:bodyPr/>
+                    <a:lstStyle/>
+                    <a:p>
+                      <a:r>
+                        <a:rPr lang="de-DE" dirty="0"/>
+                        <a:t>Abstrakt</a:t>
                       </a:r>
                     </a:p>
                   </a:txBody>
@@ -6002,11 +5890,11 @@
                     <a:p>
                       <a:r>
                         <a:rPr lang="de-DE" dirty="0" err="1"/>
-                        <a:t>Published</a:t>
+                        <a:t>Veröf</a:t>
                       </a:r>
                       <a:r>
                         <a:rPr lang="de-DE" dirty="0"/>
-                        <a:t> date</a:t>
+                        <a:t>. Datum</a:t>
                       </a:r>
                     </a:p>
                   </a:txBody>
@@ -6019,51 +5907,7 @@
                     <a:p>
                       <a:r>
                         <a:rPr lang="de-DE" dirty="0"/>
-                        <a:t>Updated date</a:t>
-                      </a:r>
-                    </a:p>
-                  </a:txBody>
-                  <a:tcPr/>
-                </a:tc>
-                <a:tc>
-                  <a:txBody>
-                    <a:bodyPr/>
-                    <a:lstStyle/>
-                    <a:p>
-                      <a:r>
-                        <a:rPr lang="de-DE" dirty="0" err="1"/>
-                        <a:t>Authors</a:t>
-                      </a:r>
-                      <a:endParaRPr lang="de-DE" dirty="0"/>
-                    </a:p>
-                  </a:txBody>
-                  <a:tcPr/>
-                </a:tc>
-                <a:tc>
-                  <a:txBody>
-                    <a:bodyPr/>
-                    <a:lstStyle/>
-                    <a:p>
-                      <a:r>
-                        <a:rPr lang="de-DE" dirty="0"/>
-                        <a:t>link</a:t>
-                      </a:r>
-                    </a:p>
-                  </a:txBody>
-                  <a:tcPr/>
-                </a:tc>
-                <a:tc>
-                  <a:txBody>
-                    <a:bodyPr/>
-                    <a:lstStyle/>
-                    <a:p>
-                      <a:r>
-                        <a:rPr lang="de-DE" dirty="0" err="1"/>
-                        <a:t>pdf</a:t>
-                      </a:r>
-                      <a:r>
-                        <a:rPr lang="de-DE" dirty="0"/>
-                        <a:t> link</a:t>
+                        <a:t>Akt. Datum</a:t>
                       </a:r>
                     </a:p>
                   </a:txBody>
@@ -6076,7 +5920,59 @@
                     <a:p>
                       <a:r>
                         <a:rPr lang="de-DE" dirty="0"/>
-                        <a:t>License</a:t>
+                        <a:t>Journal</a:t>
+                      </a:r>
+                    </a:p>
+                  </a:txBody>
+                  <a:tcPr/>
+                </a:tc>
+                <a:tc>
+                  <a:txBody>
+                    <a:bodyPr/>
+                    <a:lstStyle/>
+                    <a:p>
+                      <a:r>
+                        <a:rPr lang="de-DE" dirty="0"/>
+                        <a:t>Kategorie</a:t>
+                      </a:r>
+                    </a:p>
+                  </a:txBody>
+                  <a:tcPr/>
+                </a:tc>
+                <a:tc>
+                  <a:txBody>
+                    <a:bodyPr/>
+                    <a:lstStyle/>
+                    <a:p>
+                      <a:r>
+                        <a:rPr lang="de-DE" dirty="0"/>
+                        <a:t>Link</a:t>
+                      </a:r>
+                    </a:p>
+                  </a:txBody>
+                  <a:tcPr/>
+                </a:tc>
+                <a:tc>
+                  <a:txBody>
+                    <a:bodyPr/>
+                    <a:lstStyle/>
+                    <a:p>
+                      <a:r>
+                        <a:rPr lang="de-DE" dirty="0"/>
+                        <a:t>PDF-Link</a:t>
+                      </a:r>
+                    </a:p>
+                  </a:txBody>
+                  <a:tcPr/>
+                </a:tc>
+                <a:tc>
+                  <a:txBody>
+                    <a:bodyPr/>
+                    <a:lstStyle/>
+                    <a:p>
+                      <a:r>
+                        <a:rPr lang="de-DE" dirty="0"/>
+                        <a:t>Volltext</a:t>
                       </a:r>
                     </a:p>
                   </a:txBody>
@@ -6095,10 +5991,10 @@
                     <a:lstStyle/>
                     <a:p>
                       <a:r>
-                        <a:rPr lang="de-DE" dirty="0" err="1"/>
+                        <a:rPr lang="de-DE" sz="1400" dirty="0" err="1"/>
                         <a:t>Str</a:t>
                       </a:r>
-                      <a:endParaRPr lang="de-DE" dirty="0"/>
+                      <a:endParaRPr lang="de-DE" sz="1400" dirty="0"/>
                     </a:p>
                   </a:txBody>
                   <a:tcPr/>
@@ -6109,10 +6005,10 @@
                     <a:lstStyle/>
                     <a:p>
                       <a:r>
-                        <a:rPr lang="de-DE" dirty="0" err="1"/>
+                        <a:rPr lang="de-DE" sz="1400" dirty="0" err="1"/>
                         <a:t>Str</a:t>
                       </a:r>
-                      <a:endParaRPr lang="de-DE" dirty="0"/>
+                      <a:endParaRPr lang="de-DE" sz="1400" dirty="0"/>
                     </a:p>
                   </a:txBody>
                   <a:tcPr/>
@@ -6123,10 +6019,10 @@
                     <a:lstStyle/>
                     <a:p>
                       <a:r>
-                        <a:rPr lang="de-DE" dirty="0" err="1"/>
+                        <a:rPr lang="de-DE" sz="1400" dirty="0" err="1"/>
                         <a:t>Str</a:t>
                       </a:r>
-                      <a:endParaRPr lang="de-DE" dirty="0"/>
+                      <a:endParaRPr lang="de-DE" sz="1400" dirty="0"/>
                     </a:p>
                   </a:txBody>
                   <a:tcPr/>
@@ -6137,43 +6033,15 @@
                     <a:lstStyle/>
                     <a:p>
                       <a:r>
-                        <a:rPr lang="de-DE" dirty="0" err="1"/>
-                        <a:t>Str</a:t>
-                      </a:r>
-                      <a:endParaRPr lang="de-DE" dirty="0"/>
-                    </a:p>
-                  </a:txBody>
-                  <a:tcPr/>
-                </a:tc>
-                <a:tc>
-                  <a:txBody>
-                    <a:bodyPr/>
-                    <a:lstStyle/>
-                    <a:p>
-                      <a:r>
-                        <a:rPr lang="de-DE" dirty="0" err="1"/>
-                        <a:t>Str</a:t>
-                      </a:r>
-                      <a:endParaRPr lang="de-DE" dirty="0"/>
-                    </a:p>
-                  </a:txBody>
-                  <a:tcPr/>
-                </a:tc>
-                <a:tc>
-                  <a:txBody>
-                    <a:bodyPr/>
-                    <a:lstStyle/>
-                    <a:p>
-                      <a:r>
-                        <a:rPr lang="de-DE" dirty="0"/>
+                        <a:rPr lang="de-DE" sz="1400" dirty="0"/>
                         <a:t>List(</a:t>
                       </a:r>
                       <a:r>
-                        <a:rPr lang="de-DE" dirty="0" err="1"/>
-                        <a:t>str</a:t>
+                        <a:rPr lang="de-DE" sz="1400" dirty="0" err="1"/>
+                        <a:t>Str</a:t>
                       </a:r>
                       <a:r>
-                        <a:rPr lang="de-DE" dirty="0"/>
+                        <a:rPr lang="de-DE" sz="1400" dirty="0"/>
                         <a:t>)</a:t>
                       </a:r>
                     </a:p>
@@ -6186,10 +6054,10 @@
                     <a:lstStyle/>
                     <a:p>
                       <a:r>
-                        <a:rPr lang="de-DE" dirty="0" err="1"/>
+                        <a:rPr lang="de-DE" sz="1400" dirty="0" err="1"/>
                         <a:t>Str</a:t>
                       </a:r>
-                      <a:endParaRPr lang="de-DE" dirty="0"/>
+                      <a:endParaRPr lang="de-DE" sz="1400" dirty="0"/>
                     </a:p>
                   </a:txBody>
                   <a:tcPr/>
@@ -6200,10 +6068,10 @@
                     <a:lstStyle/>
                     <a:p>
                       <a:r>
-                        <a:rPr lang="de-DE" dirty="0" err="1"/>
+                        <a:rPr lang="de-DE" sz="1400" dirty="0" err="1"/>
                         <a:t>Str</a:t>
                       </a:r>
-                      <a:endParaRPr lang="de-DE" dirty="0"/>
+                      <a:endParaRPr lang="de-DE" sz="1400" dirty="0"/>
                     </a:p>
                   </a:txBody>
                   <a:tcPr/>
@@ -6214,10 +6082,87 @@
                     <a:lstStyle/>
                     <a:p>
                       <a:r>
-                        <a:rPr lang="de-DE" dirty="0" err="1"/>
+                        <a:rPr lang="de-DE" sz="1400" dirty="0" err="1"/>
                         <a:t>Str</a:t>
                       </a:r>
-                      <a:endParaRPr lang="de-DE" dirty="0"/>
+                      <a:endParaRPr lang="de-DE" sz="1400" dirty="0"/>
+                    </a:p>
+                  </a:txBody>
+                  <a:tcPr/>
+                </a:tc>
+                <a:tc>
+                  <a:txBody>
+                    <a:bodyPr/>
+                    <a:lstStyle/>
+                    <a:p>
+                      <a:r>
+                        <a:rPr lang="de-DE" sz="1400" dirty="0" err="1"/>
+                        <a:t>Str</a:t>
+                      </a:r>
+                      <a:endParaRPr lang="de-DE" sz="1400" dirty="0"/>
+                    </a:p>
+                  </a:txBody>
+                  <a:tcPr/>
+                </a:tc>
+                <a:tc>
+                  <a:txBody>
+                    <a:bodyPr/>
+                    <a:lstStyle/>
+                    <a:p>
+                      <a:r>
+                        <a:rPr lang="de-DE" sz="1400" dirty="0"/>
+                        <a:t>List(</a:t>
+                      </a:r>
+                      <a:r>
+                        <a:rPr lang="de-DE" sz="1400" dirty="0" err="1"/>
+                        <a:t>Str</a:t>
+                      </a:r>
+                      <a:r>
+                        <a:rPr lang="de-DE" sz="1400" dirty="0"/>
+                        <a:t>)</a:t>
+                      </a:r>
+                    </a:p>
+                  </a:txBody>
+                  <a:tcPr/>
+                </a:tc>
+                <a:tc>
+                  <a:txBody>
+                    <a:bodyPr/>
+                    <a:lstStyle/>
+                    <a:p>
+                      <a:r>
+                        <a:rPr lang="de-DE" sz="1400" dirty="0" err="1"/>
+                        <a:t>Str</a:t>
+                      </a:r>
+                      <a:endParaRPr lang="de-DE" sz="1400" dirty="0"/>
+                    </a:p>
+                  </a:txBody>
+                  <a:tcPr/>
+                </a:tc>
+                <a:tc>
+                  <a:txBody>
+                    <a:bodyPr/>
+                    <a:lstStyle/>
+                    <a:p>
+                      <a:r>
+                        <a:rPr lang="de-DE" sz="1400" dirty="0" err="1"/>
+                        <a:t>Str</a:t>
+                      </a:r>
+                      <a:endParaRPr lang="de-DE" sz="1400" dirty="0"/>
+                    </a:p>
+                  </a:txBody>
+                  <a:tcPr/>
+                </a:tc>
+                <a:tc>
+                  <a:txBody>
+                    <a:bodyPr/>
+                    <a:lstStyle/>
+                    <a:p>
+                      <a:r>
+                        <a:rPr lang="de-DE" sz="1400" dirty="0" err="1"/>
+                        <a:t>Str</a:t>
+                      </a:r>
+                      <a:endParaRPr lang="de-DE" sz="1400" dirty="0"/>
                     </a:p>
                   </a:txBody>
                   <a:tcPr/>
@@ -6283,14 +6228,14 @@
           <p:nvPr>
             <p:extLst>
               <p:ext uri="{D42A27DB-BD31-4B8C-83A1-F6EECF244321}">
-                <p14:modId xmlns:p14="http://schemas.microsoft.com/office/powerpoint/2010/main" val="2218099274"/>
+                <p14:modId xmlns:p14="http://schemas.microsoft.com/office/powerpoint/2010/main" val="4002122856"/>
               </p:ext>
             </p:extLst>
           </p:nvPr>
         </p:nvGraphicFramePr>
         <p:xfrm>
-          <a:off x="517524" y="4439040"/>
-          <a:ext cx="11156952" cy="1385625"/>
+          <a:off x="146208" y="3693540"/>
+          <a:ext cx="11942574" cy="1116385"/>
         </p:xfrm>
         <a:graphic>
           <a:graphicData uri="http://schemas.openxmlformats.org/drawingml/2006/table">
@@ -6299,65 +6244,79 @@
                 <a:tableStyleId>{00A15C55-8517-42AA-B614-E9B94910E393}</a:tableStyleId>
               </a:tblPr>
               <a:tblGrid>
-                <a:gridCol w="1394619">
+                <a:gridCol w="1456944">
                   <a:extLst>
                     <a:ext uri="{9D8B030D-6E8A-4147-A177-3AD203B41FA5}">
                       <a16:colId xmlns:a16="http://schemas.microsoft.com/office/drawing/2014/main" val="1170924777"/>
                     </a:ext>
                   </a:extLst>
                 </a:gridCol>
-                <a:gridCol w="1193133">
+                <a:gridCol w="1100582">
                   <a:extLst>
                     <a:ext uri="{9D8B030D-6E8A-4147-A177-3AD203B41FA5}">
                       <a16:colId xmlns:a16="http://schemas.microsoft.com/office/drawing/2014/main" val="482104974"/>
                     </a:ext>
                   </a:extLst>
                 </a:gridCol>
-                <a:gridCol w="1998617">
+                <a:gridCol w="2058416">
                   <a:extLst>
                     <a:ext uri="{9D8B030D-6E8A-4147-A177-3AD203B41FA5}">
                       <a16:colId xmlns:a16="http://schemas.microsoft.com/office/drawing/2014/main" val="200419855"/>
                     </a:ext>
                   </a:extLst>
                 </a:gridCol>
-                <a:gridCol w="1789612">
+                <a:gridCol w="1172210">
                   <a:extLst>
                     <a:ext uri="{9D8B030D-6E8A-4147-A177-3AD203B41FA5}">
                       <a16:colId xmlns:a16="http://schemas.microsoft.com/office/drawing/2014/main" val="1380248483"/>
                     </a:ext>
                   </a:extLst>
                 </a:gridCol>
-                <a:gridCol w="2586445">
+                <a:gridCol w="1543241">
                   <a:extLst>
                     <a:ext uri="{9D8B030D-6E8A-4147-A177-3AD203B41FA5}">
                       <a16:colId xmlns:a16="http://schemas.microsoft.com/office/drawing/2014/main" val="123840647"/>
                     </a:ext>
                   </a:extLst>
                 </a:gridCol>
-                <a:gridCol w="744583">
+                <a:gridCol w="566928">
                   <a:extLst>
                     <a:ext uri="{9D8B030D-6E8A-4147-A177-3AD203B41FA5}">
                       <a16:colId xmlns:a16="http://schemas.microsoft.com/office/drawing/2014/main" val="3453127449"/>
                     </a:ext>
                   </a:extLst>
                 </a:gridCol>
-                <a:gridCol w="796834">
+                <a:gridCol w="1053021">
                   <a:extLst>
                     <a:ext uri="{9D8B030D-6E8A-4147-A177-3AD203B41FA5}">
                       <a16:colId xmlns:a16="http://schemas.microsoft.com/office/drawing/2014/main" val="2037564263"/>
                     </a:ext>
                   </a:extLst>
                 </a:gridCol>
-                <a:gridCol w="653109">
+                <a:gridCol w="844614">
                   <a:extLst>
                     <a:ext uri="{9D8B030D-6E8A-4147-A177-3AD203B41FA5}">
                       <a16:colId xmlns:a16="http://schemas.microsoft.com/office/drawing/2014/main" val="2574270800"/>
                     </a:ext>
                   </a:extLst>
                 </a:gridCol>
+                <a:gridCol w="1046036">
+                  <a:extLst>
+                    <a:ext uri="{9D8B030D-6E8A-4147-A177-3AD203B41FA5}">
+                      <a16:colId xmlns:a16="http://schemas.microsoft.com/office/drawing/2014/main" val="912457657"/>
+                    </a:ext>
+                  </a:extLst>
+                </a:gridCol>
+                <a:gridCol w="1100582">
+                  <a:extLst>
+                    <a:ext uri="{9D8B030D-6E8A-4147-A177-3AD203B41FA5}">
+                      <a16:colId xmlns:a16="http://schemas.microsoft.com/office/drawing/2014/main" val="3312520747"/>
+                    </a:ext>
+                  </a:extLst>
+                </a:gridCol>
               </a:tblGrid>
               <a:tr h="374705">
-                <a:tc gridSpan="8">
+                <a:tc gridSpan="10">
                   <a:txBody>
                     <a:bodyPr/>
                     <a:lstStyle/>
@@ -6367,6 +6326,28 @@
                         <a:rPr lang="de-DE" dirty="0" err="1"/>
                         <a:t>OpenAlex</a:t>
                       </a:r>
+                      <a:endParaRPr lang="de-DE" dirty="0"/>
+                    </a:p>
+                  </a:txBody>
+                  <a:tcPr/>
+                </a:tc>
+                <a:tc hMerge="1">
+                  <a:txBody>
+                    <a:bodyPr/>
+                    <a:lstStyle/>
+                    <a:p>
+                      <a:pPr algn="ctr"/>
+                      <a:endParaRPr lang="de-DE" dirty="0"/>
+                    </a:p>
+                  </a:txBody>
+                  <a:tcPr/>
+                </a:tc>
+                <a:tc hMerge="1">
+                  <a:txBody>
+                    <a:bodyPr/>
+                    <a:lstStyle/>
+                    <a:p>
+                      <a:pPr algn="ctr"/>
                       <a:endParaRPr lang="de-DE" dirty="0"/>
                     </a:p>
                   </a:txBody>
@@ -6463,20 +6444,62 @@
                     <a:p>
                       <a:r>
                         <a:rPr lang="de-DE" dirty="0" err="1"/>
-                        <a:t>Openalex</a:t>
+                        <a:t>OpenAlex</a:t>
                       </a:r>
                       <a:r>
                         <a:rPr lang="de-DE" dirty="0"/>
-                        <a:t> </a:t>
+                        <a:t> ID</a:t>
                       </a:r>
-                      <a:r>
-                        <a:rPr lang="de-DE" dirty="0" err="1"/>
-                        <a:t>id</a:t>
-                      </a:r>
-                      <a:endParaRPr lang="de-DE" dirty="0"/>
                     </a:p>
                   </a:txBody>
-                  <a:tcPr/>
+                  <a:tcPr>
+                    <a:solidFill>
+                      <a:schemeClr val="accent4">
+                        <a:lumMod val="60000"/>
+                        <a:lumOff val="40000"/>
+                      </a:schemeClr>
+                    </a:solidFill>
+                  </a:tcPr>
+                </a:tc>
+                <a:tc>
+                  <a:txBody>
+                    <a:bodyPr/>
+                    <a:lstStyle/>
+                    <a:p>
+                      <a:r>
+                        <a:rPr lang="de-DE" dirty="0"/>
+                        <a:t>Themen</a:t>
+                      </a:r>
+                    </a:p>
+                  </a:txBody>
+                  <a:tcPr>
+                    <a:solidFill>
+                      <a:schemeClr val="accent4">
+                        <a:lumMod val="60000"/>
+                        <a:lumOff val="40000"/>
+                      </a:schemeClr>
+                    </a:solidFill>
+                  </a:tcPr>
+                </a:tc>
+                <a:tc>
+                  <a:txBody>
+                    <a:bodyPr/>
+                    <a:lstStyle/>
+                    <a:p>
+                      <a:r>
+                        <a:rPr lang="de-DE" dirty="0"/>
+                        <a:t>Anzahl Zitierungen</a:t>
+                      </a:r>
+                    </a:p>
+                  </a:txBody>
+                  <a:tcPr>
+                    <a:solidFill>
+                      <a:schemeClr val="accent4">
+                        <a:lumMod val="60000"/>
+                        <a:lumOff val="40000"/>
+                      </a:schemeClr>
+                    </a:solidFill>
+                  </a:tcPr>
                 </a:tc>
                 <a:tc>
                   <a:txBody>
@@ -6485,42 +6508,22 @@
                     <a:p>
                       <a:r>
                         <a:rPr lang="de-DE" dirty="0" err="1"/>
-                        <a:t>Concepts</a:t>
-                      </a:r>
-                      <a:endParaRPr lang="de-DE" dirty="0"/>
-                    </a:p>
-                  </a:txBody>
-                  <a:tcPr/>
-                </a:tc>
-                <a:tc>
-                  <a:txBody>
-                    <a:bodyPr/>
-                    <a:lstStyle/>
-                    <a:p>
-                      <a:r>
-                        <a:rPr lang="de-DE" dirty="0" err="1"/>
-                        <a:t>Cited</a:t>
+                        <a:t>Veröf</a:t>
                       </a:r>
                       <a:r>
                         <a:rPr lang="de-DE" dirty="0"/>
-                        <a:t> </a:t>
+                        <a:t>. Ort</a:t>
                       </a:r>
-                      <a:r>
-                        <a:rPr lang="de-DE" dirty="0" err="1"/>
-                        <a:t>by</a:t>
-                      </a:r>
-                      <a:r>
-                        <a:rPr lang="de-DE" dirty="0"/>
-                        <a:t> </a:t>
-                      </a:r>
-                      <a:r>
-                        <a:rPr lang="de-DE" dirty="0" err="1"/>
-                        <a:t>count</a:t>
-                      </a:r>
-                      <a:endParaRPr lang="de-DE" dirty="0"/>
                     </a:p>
                   </a:txBody>
-                  <a:tcPr/>
+                  <a:tcPr>
+                    <a:solidFill>
+                      <a:schemeClr val="accent4">
+                        <a:lumMod val="60000"/>
+                        <a:lumOff val="40000"/>
+                      </a:schemeClr>
+                    </a:solidFill>
+                  </a:tcPr>
                 </a:tc>
                 <a:tc>
                   <a:txBody>
@@ -6529,16 +6532,18 @@
                     <a:p>
                       <a:r>
                         <a:rPr lang="de-DE" dirty="0"/>
-                        <a:t>Host </a:t>
+                        <a:t>Open Access</a:t>
                       </a:r>
-                      <a:r>
-                        <a:rPr lang="de-DE" dirty="0" err="1"/>
-                        <a:t>venue</a:t>
-                      </a:r>
-                      <a:endParaRPr lang="de-DE" dirty="0"/>
                     </a:p>
                   </a:txBody>
-                  <a:tcPr/>
+                  <a:tcPr>
+                    <a:solidFill>
+                      <a:schemeClr val="accent4">
+                        <a:lumMod val="60000"/>
+                        <a:lumOff val="40000"/>
+                      </a:schemeClr>
+                    </a:solidFill>
+                  </a:tcPr>
                 </a:tc>
                 <a:tc>
                   <a:txBody>
@@ -6547,24 +6552,18 @@
                     <a:p>
                       <a:r>
                         <a:rPr lang="de-DE" dirty="0"/>
-                        <a:t>Open </a:t>
+                        <a:t>Typ</a:t>
                       </a:r>
-                      <a:r>
-                        <a:rPr lang="de-DE" dirty="0" err="1"/>
-                        <a:t>access</a:t>
-                      </a:r>
-                      <a:r>
-                        <a:rPr lang="de-DE" dirty="0"/>
-                        <a:t> </a:t>
-                      </a:r>
-                      <a:r>
-                        <a:rPr lang="de-DE" dirty="0" err="1"/>
-                        <a:t>status</a:t>
-                      </a:r>
-                      <a:endParaRPr lang="de-DE" dirty="0"/>
                     </a:p>
                   </a:txBody>
-                  <a:tcPr/>
+                  <a:tcPr>
+                    <a:solidFill>
+                      <a:schemeClr val="accent4">
+                        <a:lumMod val="60000"/>
+                        <a:lumOff val="40000"/>
+                      </a:schemeClr>
+                    </a:solidFill>
+                  </a:tcPr>
                 </a:tc>
                 <a:tc>
                   <a:txBody>
@@ -6572,13 +6571,19 @@
                     <a:lstStyle/>
                     <a:p>
                       <a:r>
-                        <a:rPr lang="de-DE" dirty="0" err="1"/>
-                        <a:t>Etc</a:t>
+                        <a:rPr lang="de-DE" dirty="0"/>
+                        <a:t>Sprache</a:t>
                       </a:r>
-                      <a:endParaRPr lang="de-DE" dirty="0"/>
                     </a:p>
                   </a:txBody>
-                  <a:tcPr/>
+                  <a:tcPr>
+                    <a:solidFill>
+                      <a:schemeClr val="accent4">
+                        <a:lumMod val="60000"/>
+                        <a:lumOff val="40000"/>
+                      </a:schemeClr>
+                    </a:solidFill>
+                  </a:tcPr>
                 </a:tc>
                 <a:tc>
                   <a:txBody>
@@ -6586,13 +6591,19 @@
                     <a:lstStyle/>
                     <a:p>
                       <a:r>
-                        <a:rPr lang="de-DE" dirty="0" err="1"/>
-                        <a:t>Etc</a:t>
+                        <a:rPr lang="de-DE" dirty="0"/>
+                        <a:t>Lizenz</a:t>
                       </a:r>
-                      <a:endParaRPr lang="de-DE" dirty="0"/>
                     </a:p>
                   </a:txBody>
-                  <a:tcPr/>
+                  <a:tcPr>
+                    <a:solidFill>
+                      <a:schemeClr val="accent4">
+                        <a:lumMod val="60000"/>
+                        <a:lumOff val="40000"/>
+                      </a:schemeClr>
+                    </a:solidFill>
+                  </a:tcPr>
                 </a:tc>
                 <a:tc>
                   <a:txBody>
@@ -6600,13 +6611,39 @@
                     <a:lstStyle/>
                     <a:p>
                       <a:r>
-                        <a:rPr lang="de-DE" dirty="0" err="1"/>
-                        <a:t>Etc</a:t>
+                        <a:rPr lang="de-DE" dirty="0"/>
+                        <a:t>Paratext</a:t>
                       </a:r>
-                      <a:endParaRPr lang="de-DE" dirty="0"/>
                     </a:p>
                   </a:txBody>
-                  <a:tcPr/>
+                  <a:tcPr>
+                    <a:solidFill>
+                      <a:schemeClr val="accent4">
+                        <a:lumMod val="60000"/>
+                        <a:lumOff val="40000"/>
+                      </a:schemeClr>
+                    </a:solidFill>
+                  </a:tcPr>
+                </a:tc>
+                <a:tc>
+                  <a:txBody>
+                    <a:bodyPr/>
+                    <a:lstStyle/>
+                    <a:p>
+                      <a:r>
+                        <a:rPr lang="de-DE" dirty="0"/>
+                        <a:t>Autor</a:t>
+                      </a:r>
+                    </a:p>
+                  </a:txBody>
+                  <a:tcPr>
+                    <a:solidFill>
+                      <a:schemeClr val="accent4">
+                        <a:lumMod val="60000"/>
+                        <a:lumOff val="40000"/>
+                      </a:schemeClr>
+                    </a:solidFill>
+                  </a:tcPr>
                 </a:tc>
                 <a:extLst>
                   <a:ext uri="{0D108BD9-81ED-4DB2-BD59-A6C34878D82A}">
@@ -6621,13 +6658,20 @@
                     <a:lstStyle/>
                     <a:p>
                       <a:r>
-                        <a:rPr lang="de-DE" dirty="0" err="1"/>
+                        <a:rPr lang="de-DE" sz="1400" dirty="0" err="1"/>
                         <a:t>Str</a:t>
                       </a:r>
-                      <a:endParaRPr lang="de-DE" dirty="0"/>
+                      <a:endParaRPr lang="de-DE" sz="1400" dirty="0"/>
                     </a:p>
                   </a:txBody>
-                  <a:tcPr/>
+                  <a:tcPr>
+                    <a:solidFill>
+                      <a:schemeClr val="accent4">
+                        <a:lumMod val="20000"/>
+                        <a:lumOff val="80000"/>
+                      </a:schemeClr>
+                    </a:solidFill>
+                  </a:tcPr>
                 </a:tc>
                 <a:tc>
                   <a:txBody>
@@ -6635,28 +6679,27 @@
                     <a:lstStyle/>
                     <a:p>
                       <a:r>
-                        <a:rPr lang="de-DE" dirty="0"/>
+                        <a:rPr lang="de-DE" sz="1400" dirty="0"/>
                         <a:t>List(</a:t>
                       </a:r>
                       <a:r>
-                        <a:rPr lang="de-DE" dirty="0" err="1"/>
+                        <a:rPr lang="de-DE" sz="1400" dirty="0" err="1"/>
                         <a:t>dict</a:t>
                       </a:r>
                       <a:r>
-                        <a:rPr lang="de-DE" dirty="0"/>
-                        <a:t>(</a:t>
-                      </a:r>
-                      <a:r>
-                        <a:rPr lang="de-DE" dirty="0" err="1"/>
-                        <a:t>str</a:t>
-                      </a:r>
-                      <a:r>
-                        <a:rPr lang="de-DE" dirty="0"/>
-                        <a:t>))</a:t>
+                        <a:rPr lang="de-DE" sz="1400" dirty="0"/>
+                        <a:t>)</a:t>
                       </a:r>
                     </a:p>
                   </a:txBody>
-                  <a:tcPr/>
+                  <a:tcPr>
+                    <a:solidFill>
+                      <a:schemeClr val="accent4">
+                        <a:lumMod val="20000"/>
+                        <a:lumOff val="80000"/>
+                      </a:schemeClr>
+                    </a:solidFill>
+                  </a:tcPr>
                 </a:tc>
                 <a:tc>
                   <a:txBody>
@@ -6664,13 +6707,65 @@
                     <a:lstStyle/>
                     <a:p>
                       <a:r>
-                        <a:rPr lang="de-DE" dirty="0" err="1"/>
+                        <a:rPr lang="de-DE" sz="1400" dirty="0" err="1"/>
                         <a:t>Int</a:t>
                       </a:r>
-                      <a:endParaRPr lang="de-DE" dirty="0"/>
+                      <a:endParaRPr lang="de-DE" sz="1400" dirty="0"/>
                     </a:p>
                   </a:txBody>
-                  <a:tcPr/>
+                  <a:tcPr>
+                    <a:solidFill>
+                      <a:schemeClr val="accent4">
+                        <a:lumMod val="20000"/>
+                        <a:lumOff val="80000"/>
+                      </a:schemeClr>
+                    </a:solidFill>
+                  </a:tcPr>
+                </a:tc>
+                <a:tc>
+                  <a:txBody>
+                    <a:bodyPr/>
+                    <a:lstStyle/>
+                    <a:p>
+                      <a:pPr marL="0" marR="0" lvl="0" indent="0" algn="l" defTabSz="914400" rtl="0" eaLnBrk="1" fontAlgn="auto" latinLnBrk="0" hangingPunct="1">
+                        <a:lnSpc>
+                          <a:spcPct val="100000"/>
+                        </a:lnSpc>
+                        <a:spcBef>
+                          <a:spcPts val="0"/>
+                        </a:spcBef>
+                        <a:spcAft>
+                          <a:spcPts val="0"/>
+                        </a:spcAft>
+                        <a:buClrTx/>
+                        <a:buSzTx/>
+                        <a:buFontTx/>
+                        <a:buNone/>
+                        <a:tabLst/>
+                        <a:defRPr/>
+                      </a:pPr>
+                      <a:r>
+                        <a:rPr lang="de-DE" sz="1400" dirty="0"/>
+                        <a:t>List(</a:t>
+                      </a:r>
+                      <a:r>
+                        <a:rPr lang="de-DE" sz="1400" dirty="0" err="1"/>
+                        <a:t>dict</a:t>
+                      </a:r>
+                      <a:r>
+                        <a:rPr lang="de-DE" sz="1400" dirty="0"/>
+                        <a:t>)</a:t>
+                      </a:r>
+                    </a:p>
+                  </a:txBody>
+                  <a:tcPr>
+                    <a:solidFill>
+                      <a:schemeClr val="accent4">
+                        <a:lumMod val="20000"/>
+                        <a:lumOff val="80000"/>
+                      </a:schemeClr>
+                    </a:solidFill>
+                  </a:tcPr>
                 </a:tc>
                 <a:tc>
                   <a:txBody>
@@ -6678,12 +6773,20 @@
                     <a:lstStyle/>
                     <a:p>
                       <a:r>
-                        <a:rPr lang="de-DE" dirty="0"/>
-                        <a:t>…</a:t>
+                        <a:rPr lang="de-DE" sz="1400" dirty="0" err="1"/>
+                        <a:t>boolean</a:t>
                       </a:r>
+                      <a:endParaRPr lang="de-DE" sz="1400" dirty="0"/>
                     </a:p>
                   </a:txBody>
-                  <a:tcPr/>
+                  <a:tcPr>
+                    <a:solidFill>
+                      <a:schemeClr val="accent4">
+                        <a:lumMod val="20000"/>
+                        <a:lumOff val="80000"/>
+                      </a:schemeClr>
+                    </a:solidFill>
+                  </a:tcPr>
                 </a:tc>
                 <a:tc>
                   <a:txBody>
@@ -6691,43 +6794,111 @@
                     <a:lstStyle/>
                     <a:p>
                       <a:r>
-                        <a:rPr lang="de-DE" dirty="0" err="1"/>
-                        <a:t>boolean</a:t>
+                        <a:rPr lang="de-DE" sz="1400" dirty="0" err="1"/>
+                        <a:t>Str</a:t>
                       </a:r>
-                      <a:endParaRPr lang="de-DE" dirty="0"/>
+                      <a:endParaRPr lang="de-DE" sz="1400" dirty="0"/>
                     </a:p>
                   </a:txBody>
-                  <a:tcPr/>
+                  <a:tcPr>
+                    <a:solidFill>
+                      <a:schemeClr val="accent4">
+                        <a:lumMod val="20000"/>
+                        <a:lumOff val="80000"/>
+                      </a:schemeClr>
+                    </a:solidFill>
+                  </a:tcPr>
                 </a:tc>
                 <a:tc>
                   <a:txBody>
                     <a:bodyPr/>
                     <a:lstStyle/>
                     <a:p>
-                      <a:endParaRPr lang="de-DE" dirty="0"/>
+                      <a:r>
+                        <a:rPr lang="de-DE" sz="1400" dirty="0" err="1"/>
+                        <a:t>Str</a:t>
+                      </a:r>
+                      <a:endParaRPr lang="de-DE" sz="1400" dirty="0"/>
                     </a:p>
                   </a:txBody>
-                  <a:tcPr/>
+                  <a:tcPr>
+                    <a:solidFill>
+                      <a:schemeClr val="accent4">
+                        <a:lumMod val="20000"/>
+                        <a:lumOff val="80000"/>
+                      </a:schemeClr>
+                    </a:solidFill>
+                  </a:tcPr>
                 </a:tc>
                 <a:tc>
                   <a:txBody>
                     <a:bodyPr/>
                     <a:lstStyle/>
                     <a:p>
-                      <a:endParaRPr lang="de-DE" dirty="0"/>
+                      <a:r>
+                        <a:rPr lang="de-DE" sz="1400" dirty="0" err="1"/>
+                        <a:t>Str</a:t>
+                      </a:r>
+                      <a:endParaRPr lang="de-DE" sz="1400" dirty="0"/>
                     </a:p>
                   </a:txBody>
-                  <a:tcPr/>
+                  <a:tcPr>
+                    <a:solidFill>
+                      <a:schemeClr val="accent4">
+                        <a:lumMod val="20000"/>
+                        <a:lumOff val="80000"/>
+                      </a:schemeClr>
+                    </a:solidFill>
+                  </a:tcPr>
                 </a:tc>
                 <a:tc>
                   <a:txBody>
                     <a:bodyPr/>
                     <a:lstStyle/>
                     <a:p>
-                      <a:endParaRPr lang="de-DE" dirty="0"/>
+                      <a:r>
+                        <a:rPr lang="de-DE" sz="1400" dirty="0" err="1"/>
+                        <a:t>boolean</a:t>
+                      </a:r>
+                      <a:endParaRPr lang="de-DE" sz="1400" dirty="0"/>
                     </a:p>
                   </a:txBody>
-                  <a:tcPr/>
+                  <a:tcPr>
+                    <a:solidFill>
+                      <a:schemeClr val="accent4">
+                        <a:lumMod val="20000"/>
+                        <a:lumOff val="80000"/>
+                      </a:schemeClr>
+                    </a:solidFill>
+                  </a:tcPr>
+                </a:tc>
+                <a:tc>
+                  <a:txBody>
+                    <a:bodyPr/>
+                    <a:lstStyle/>
+                    <a:p>
+                      <a:r>
+                        <a:rPr lang="de-DE" sz="1400" dirty="0"/>
+                        <a:t>List(</a:t>
+                      </a:r>
+                      <a:r>
+                        <a:rPr lang="de-DE" sz="1400" dirty="0" err="1"/>
+                        <a:t>dict</a:t>
+                      </a:r>
+                      <a:r>
+                        <a:rPr lang="de-DE" sz="1400" dirty="0"/>
+                        <a:t>)</a:t>
+                      </a:r>
+                    </a:p>
+                  </a:txBody>
+                  <a:tcPr>
+                    <a:solidFill>
+                      <a:schemeClr val="accent4">
+                        <a:lumMod val="20000"/>
+                        <a:lumOff val="80000"/>
+                      </a:schemeClr>
+                    </a:solidFill>
+                  </a:tcPr>
                 </a:tc>
                 <a:extLst>
                   <a:ext uri="{0D108BD9-81ED-4DB2-BD59-A6C34878D82A}">
@@ -6741,118 +6912,69 @@
       </p:graphicFrame>
       <p:sp>
         <p:nvSpPr>
-          <p:cNvPr id="8" name="Textfeld 7">
-            <a:extLst>
-              <a:ext uri="{FF2B5EF4-FFF2-40B4-BE49-F238E27FC236}">
-                <a16:creationId xmlns:a16="http://schemas.microsoft.com/office/drawing/2014/main" id="{DF4F20C6-76BC-2F03-15BF-9DDA308CF319}"/>
-              </a:ext>
-            </a:extLst>
-          </p:cNvPr>
-          <p:cNvSpPr txBox="1"/>
+          <p:cNvPr id="11" name="Rechteck: abgerundete Ecken 10">
+            <a:extLst>
+              <a:ext uri="{FF2B5EF4-FFF2-40B4-BE49-F238E27FC236}">
+                <a16:creationId xmlns:a16="http://schemas.microsoft.com/office/drawing/2014/main" id="{4BB4B8F0-747D-12DB-20AE-074C00CB3171}"/>
+              </a:ext>
+            </a:extLst>
+          </p:cNvPr>
+          <p:cNvSpPr/>
           <p:nvPr/>
         </p:nvSpPr>
         <p:spPr>
           <a:xfrm>
-            <a:off x="517524" y="3681046"/>
-            <a:ext cx="3537763" cy="646331"/>
+            <a:off x="9428479" y="1634734"/>
+            <a:ext cx="2660303" cy="646331"/>
           </a:xfrm>
-          <a:prstGeom prst="rect">
+          <a:prstGeom prst="roundRect">
             <a:avLst/>
           </a:prstGeom>
-          <a:noFill/>
         </p:spPr>
-        <p:txBody>
-          <a:bodyPr wrap="none" rtlCol="0">
-            <a:spAutoFit/>
-          </a:bodyPr>
+        <p:style>
+          <a:lnRef idx="2">
+            <a:schemeClr val="accent1">
+              <a:shade val="15000"/>
+            </a:schemeClr>
+          </a:lnRef>
+          <a:fillRef idx="1">
+            <a:schemeClr val="accent1"/>
+          </a:fillRef>
+          <a:effectRef idx="0">
+            <a:schemeClr val="accent1"/>
+          </a:effectRef>
+          <a:fontRef idx="minor">
+            <a:schemeClr val="lt1"/>
+          </a:fontRef>
+        </p:style>
+        <p:txBody>
+          <a:bodyPr rtlCol="0" anchor="ctr"/>
           <a:lstStyle/>
           <a:p>
-            <a:r>
-              <a:rPr lang="de-DE" dirty="0"/>
-              <a:t>Metadaten: Strukturiert</a:t>
-            </a:r>
-          </a:p>
-          <a:p>
-            <a:r>
-              <a:rPr lang="de-DE" dirty="0"/>
-              <a:t>Volltext &amp; </a:t>
-            </a:r>
-            <a:r>
-              <a:rPr lang="de-DE" dirty="0" err="1"/>
-              <a:t>Abstarct</a:t>
-            </a:r>
-            <a:r>
-              <a:rPr lang="de-DE" dirty="0"/>
-              <a:t>: Unstrukturiert</a:t>
-            </a:r>
-          </a:p>
-        </p:txBody>
-      </p:sp>
-      <p:sp>
-        <p:nvSpPr>
-          <p:cNvPr id="9" name="Textfeld 8">
-            <a:extLst>
-              <a:ext uri="{FF2B5EF4-FFF2-40B4-BE49-F238E27FC236}">
-                <a16:creationId xmlns:a16="http://schemas.microsoft.com/office/drawing/2014/main" id="{5235B21F-8B02-4208-0D2E-A99FE92F50E1}"/>
-              </a:ext>
-            </a:extLst>
-          </p:cNvPr>
-          <p:cNvSpPr txBox="1"/>
+            <a:pPr algn="ctr"/>
+            <a:r>
+              <a:rPr lang="de-DE" sz="2000" b="1" dirty="0"/>
+              <a:t>Datenformat: JSONL</a:t>
+            </a:r>
+          </a:p>
+        </p:txBody>
+      </p:sp>
+      <p:sp>
+        <p:nvSpPr>
+          <p:cNvPr id="3" name="Rechteck: abgerundete Ecken 2">
+            <a:extLst>
+              <a:ext uri="{FF2B5EF4-FFF2-40B4-BE49-F238E27FC236}">
+                <a16:creationId xmlns:a16="http://schemas.microsoft.com/office/drawing/2014/main" id="{D2A47A1D-2C1E-3A88-33B6-DC24CBBC6AF2}"/>
+              </a:ext>
+            </a:extLst>
+          </p:cNvPr>
+          <p:cNvSpPr/>
           <p:nvPr/>
         </p:nvSpPr>
         <p:spPr>
           <a:xfrm>
-            <a:off x="517523" y="5879592"/>
-            <a:ext cx="3537763" cy="646331"/>
-          </a:xfrm>
-          <a:prstGeom prst="rect">
-            <a:avLst/>
-          </a:prstGeom>
-          <a:noFill/>
-        </p:spPr>
-        <p:txBody>
-          <a:bodyPr wrap="none" rtlCol="0">
-            <a:spAutoFit/>
-          </a:bodyPr>
-          <a:lstStyle/>
-          <a:p>
-            <a:r>
-              <a:rPr lang="de-DE" dirty="0"/>
-              <a:t>Metadaten: Strukturiert</a:t>
-            </a:r>
-          </a:p>
-          <a:p>
-            <a:r>
-              <a:rPr lang="de-DE" dirty="0"/>
-              <a:t>Volltext &amp; </a:t>
-            </a:r>
-            <a:r>
-              <a:rPr lang="de-DE" dirty="0" err="1"/>
-              <a:t>Abstarct</a:t>
-            </a:r>
-            <a:r>
-              <a:rPr lang="de-DE" dirty="0"/>
-              <a:t>: Unstrukturiert</a:t>
-            </a:r>
-          </a:p>
-        </p:txBody>
-      </p:sp>
-      <p:sp>
-        <p:nvSpPr>
-          <p:cNvPr id="10" name="Rechteck: abgerundete Ecken 9">
-            <a:extLst>
-              <a:ext uri="{FF2B5EF4-FFF2-40B4-BE49-F238E27FC236}">
-                <a16:creationId xmlns:a16="http://schemas.microsoft.com/office/drawing/2014/main" id="{4738EC12-DDFC-1BA3-009C-50EA83F7F5EC}"/>
-              </a:ext>
-            </a:extLst>
-          </p:cNvPr>
-          <p:cNvSpPr/>
-          <p:nvPr/>
-        </p:nvSpPr>
-        <p:spPr>
-          <a:xfrm>
-            <a:off x="9760226" y="3995242"/>
-            <a:ext cx="2166731" cy="646331"/>
+            <a:off x="9428479" y="3282236"/>
+            <a:ext cx="2660303" cy="646331"/>
           </a:xfrm>
           <a:prstGeom prst="roundRect">
             <a:avLst/>
@@ -6883,58 +7005,833 @@
           <a:p>
             <a:pPr algn="ctr"/>
             <a:r>
-              <a:rPr lang="de-DE" dirty="0"/>
-              <a:t>Datenformat: JSON</a:t>
-            </a:r>
-          </a:p>
-        </p:txBody>
-      </p:sp>
-      <p:sp>
-        <p:nvSpPr>
-          <p:cNvPr id="11" name="Rechteck: abgerundete Ecken 10">
-            <a:extLst>
-              <a:ext uri="{FF2B5EF4-FFF2-40B4-BE49-F238E27FC236}">
-                <a16:creationId xmlns:a16="http://schemas.microsoft.com/office/drawing/2014/main" id="{4BB4B8F0-747D-12DB-20AE-074C00CB3171}"/>
-              </a:ext>
-            </a:extLst>
-          </p:cNvPr>
-          <p:cNvSpPr/>
+              <a:rPr lang="de-DE" sz="2000" b="1" dirty="0"/>
+              <a:t>Datenformat: JSONL</a:t>
+            </a:r>
+          </a:p>
+        </p:txBody>
+      </p:sp>
+      <p:graphicFrame>
+        <p:nvGraphicFramePr>
+          <p:cNvPr id="12" name="Tabelle 11">
+            <a:extLst>
+              <a:ext uri="{FF2B5EF4-FFF2-40B4-BE49-F238E27FC236}">
+                <a16:creationId xmlns:a16="http://schemas.microsoft.com/office/drawing/2014/main" id="{383B9BCC-042A-2562-ABB9-C2EDDF972A8F}"/>
+              </a:ext>
+            </a:extLst>
+          </p:cNvPr>
+          <p:cNvGraphicFramePr>
+            <a:graphicFrameLocks noGrp="1"/>
+          </p:cNvGraphicFramePr>
+          <p:nvPr>
+            <p:extLst>
+              <p:ext uri="{D42A27DB-BD31-4B8C-83A1-F6EECF244321}">
+                <p14:modId xmlns:p14="http://schemas.microsoft.com/office/powerpoint/2010/main" val="396903763"/>
+              </p:ext>
+            </p:extLst>
+          </p:nvPr>
+        </p:nvGraphicFramePr>
+        <p:xfrm>
+          <a:off x="146208" y="4809925"/>
+          <a:ext cx="11942573" cy="741680"/>
+        </p:xfrm>
+        <a:graphic>
+          <a:graphicData uri="http://schemas.openxmlformats.org/drawingml/2006/table">
+            <a:tbl>
+              <a:tblPr firstRow="1" bandRow="1">
+                <a:tableStyleId>{00A15C55-8517-42AA-B614-E9B94910E393}</a:tableStyleId>
+              </a:tblPr>
+              <a:tblGrid>
+                <a:gridCol w="1680009">
+                  <a:extLst>
+                    <a:ext uri="{9D8B030D-6E8A-4147-A177-3AD203B41FA5}">
+                      <a16:colId xmlns:a16="http://schemas.microsoft.com/office/drawing/2014/main" val="3608192966"/>
+                    </a:ext>
+                  </a:extLst>
+                </a:gridCol>
+                <a:gridCol w="1976862">
+                  <a:extLst>
+                    <a:ext uri="{9D8B030D-6E8A-4147-A177-3AD203B41FA5}">
+                      <a16:colId xmlns:a16="http://schemas.microsoft.com/office/drawing/2014/main" val="222885084"/>
+                    </a:ext>
+                  </a:extLst>
+                </a:gridCol>
+                <a:gridCol w="795171">
+                  <a:extLst>
+                    <a:ext uri="{9D8B030D-6E8A-4147-A177-3AD203B41FA5}">
+                      <a16:colId xmlns:a16="http://schemas.microsoft.com/office/drawing/2014/main" val="1404902659"/>
+                    </a:ext>
+                  </a:extLst>
+                </a:gridCol>
+                <a:gridCol w="1545749">
+                  <a:extLst>
+                    <a:ext uri="{9D8B030D-6E8A-4147-A177-3AD203B41FA5}">
+                      <a16:colId xmlns:a16="http://schemas.microsoft.com/office/drawing/2014/main" val="2665739883"/>
+                    </a:ext>
+                  </a:extLst>
+                </a:gridCol>
+                <a:gridCol w="1649896">
+                  <a:extLst>
+                    <a:ext uri="{9D8B030D-6E8A-4147-A177-3AD203B41FA5}">
+                      <a16:colId xmlns:a16="http://schemas.microsoft.com/office/drawing/2014/main" val="4077137513"/>
+                    </a:ext>
+                  </a:extLst>
+                </a:gridCol>
+                <a:gridCol w="2325757">
+                  <a:extLst>
+                    <a:ext uri="{9D8B030D-6E8A-4147-A177-3AD203B41FA5}">
+                      <a16:colId xmlns:a16="http://schemas.microsoft.com/office/drawing/2014/main" val="3109302088"/>
+                    </a:ext>
+                  </a:extLst>
+                </a:gridCol>
+                <a:gridCol w="1969129">
+                  <a:extLst>
+                    <a:ext uri="{9D8B030D-6E8A-4147-A177-3AD203B41FA5}">
+                      <a16:colId xmlns:a16="http://schemas.microsoft.com/office/drawing/2014/main" val="638525317"/>
+                    </a:ext>
+                  </a:extLst>
+                </a:gridCol>
+              </a:tblGrid>
+              <a:tr h="370840">
+                <a:tc>
+                  <a:txBody>
+                    <a:bodyPr/>
+                    <a:lstStyle/>
+                    <a:p>
+                      <a:pPr marL="0" marR="0" lvl="0" indent="0" algn="l" defTabSz="914400" rtl="0" eaLnBrk="1" fontAlgn="auto" latinLnBrk="0" hangingPunct="1">
+                        <a:lnSpc>
+                          <a:spcPct val="100000"/>
+                        </a:lnSpc>
+                        <a:spcBef>
+                          <a:spcPts val="0"/>
+                        </a:spcBef>
+                        <a:spcAft>
+                          <a:spcPts val="0"/>
+                        </a:spcAft>
+                        <a:buClrTx/>
+                        <a:buSzTx/>
+                        <a:buFontTx/>
+                        <a:buNone/>
+                        <a:tabLst/>
+                        <a:defRPr/>
+                      </a:pPr>
+                      <a:r>
+                        <a:rPr lang="de-DE" b="0" dirty="0">
+                          <a:solidFill>
+                            <a:schemeClr val="tx1"/>
+                          </a:solidFill>
+                        </a:rPr>
+                        <a:t>Zitierte Artikel</a:t>
+                      </a:r>
+                    </a:p>
+                  </a:txBody>
+                  <a:tcPr>
+                    <a:solidFill>
+                      <a:schemeClr val="accent4">
+                        <a:lumMod val="60000"/>
+                        <a:lumOff val="40000"/>
+                      </a:schemeClr>
+                    </a:solidFill>
+                  </a:tcPr>
+                </a:tc>
+                <a:tc>
+                  <a:txBody>
+                    <a:bodyPr/>
+                    <a:lstStyle/>
+                    <a:p>
+                      <a:pPr marL="0" marR="0" lvl="0" indent="0" algn="l" defTabSz="914400" rtl="0" eaLnBrk="1" fontAlgn="auto" latinLnBrk="0" hangingPunct="1">
+                        <a:lnSpc>
+                          <a:spcPct val="100000"/>
+                        </a:lnSpc>
+                        <a:spcBef>
+                          <a:spcPts val="0"/>
+                        </a:spcBef>
+                        <a:spcAft>
+                          <a:spcPts val="0"/>
+                        </a:spcAft>
+                        <a:buClrTx/>
+                        <a:buSzTx/>
+                        <a:buFontTx/>
+                        <a:buNone/>
+                        <a:tabLst/>
+                        <a:defRPr/>
+                      </a:pPr>
+                      <a:r>
+                        <a:rPr lang="de-DE" b="0" dirty="0">
+                          <a:solidFill>
+                            <a:schemeClr val="tx1"/>
+                          </a:solidFill>
+                        </a:rPr>
+                        <a:t>Verwandte Artikel</a:t>
+                      </a:r>
+                    </a:p>
+                  </a:txBody>
+                  <a:tcPr>
+                    <a:solidFill>
+                      <a:schemeClr val="accent4">
+                        <a:lumMod val="60000"/>
+                        <a:lumOff val="40000"/>
+                      </a:schemeClr>
+                    </a:solidFill>
+                  </a:tcPr>
+                </a:tc>
+                <a:tc>
+                  <a:txBody>
+                    <a:bodyPr/>
+                    <a:lstStyle/>
+                    <a:p>
+                      <a:pPr marL="0" marR="0" lvl="0" indent="0" algn="l" defTabSz="914400" rtl="0" eaLnBrk="1" fontAlgn="auto" latinLnBrk="0" hangingPunct="1">
+                        <a:lnSpc>
+                          <a:spcPct val="100000"/>
+                        </a:lnSpc>
+                        <a:spcBef>
+                          <a:spcPts val="0"/>
+                        </a:spcBef>
+                        <a:spcAft>
+                          <a:spcPts val="0"/>
+                        </a:spcAft>
+                        <a:buClrTx/>
+                        <a:buSzTx/>
+                        <a:buFontTx/>
+                        <a:buNone/>
+                        <a:tabLst/>
+                        <a:defRPr/>
+                      </a:pPr>
+                      <a:r>
+                        <a:rPr lang="de-DE" b="0" dirty="0" err="1">
+                          <a:solidFill>
+                            <a:schemeClr val="tx1"/>
+                          </a:solidFill>
+                        </a:rPr>
+                        <a:t>Biblio</a:t>
+                      </a:r>
+                      <a:endParaRPr lang="de-DE" b="0" dirty="0">
+                        <a:solidFill>
+                          <a:schemeClr val="tx1"/>
+                        </a:solidFill>
+                      </a:endParaRPr>
+                    </a:p>
+                  </a:txBody>
+                  <a:tcPr>
+                    <a:solidFill>
+                      <a:schemeClr val="accent4">
+                        <a:lumMod val="60000"/>
+                        <a:lumOff val="40000"/>
+                      </a:schemeClr>
+                    </a:solidFill>
+                  </a:tcPr>
+                </a:tc>
+                <a:tc>
+                  <a:txBody>
+                    <a:bodyPr/>
+                    <a:lstStyle/>
+                    <a:p>
+                      <a:pPr marL="0" marR="0" lvl="0" indent="0" algn="l" defTabSz="914400" rtl="0" eaLnBrk="1" fontAlgn="auto" latinLnBrk="0" hangingPunct="1">
+                        <a:lnSpc>
+                          <a:spcPct val="100000"/>
+                        </a:lnSpc>
+                        <a:spcBef>
+                          <a:spcPts val="0"/>
+                        </a:spcBef>
+                        <a:spcAft>
+                          <a:spcPts val="0"/>
+                        </a:spcAft>
+                        <a:buClrTx/>
+                        <a:buSzTx/>
+                        <a:buFontTx/>
+                        <a:buNone/>
+                        <a:tabLst/>
+                        <a:defRPr/>
+                      </a:pPr>
+                      <a:r>
+                        <a:rPr lang="de-DE" b="0" dirty="0">
+                          <a:solidFill>
+                            <a:schemeClr val="tx1"/>
+                          </a:solidFill>
+                        </a:rPr>
+                        <a:t>Institutionen</a:t>
+                      </a:r>
+                    </a:p>
+                  </a:txBody>
+                  <a:tcPr>
+                    <a:solidFill>
+                      <a:schemeClr val="accent4">
+                        <a:lumMod val="60000"/>
+                        <a:lumOff val="40000"/>
+                      </a:schemeClr>
+                    </a:solidFill>
+                  </a:tcPr>
+                </a:tc>
+                <a:tc>
+                  <a:txBody>
+                    <a:bodyPr/>
+                    <a:lstStyle/>
+                    <a:p>
+                      <a:pPr marL="0" marR="0" lvl="0" indent="0" algn="l" defTabSz="914400" rtl="0" eaLnBrk="1" fontAlgn="auto" latinLnBrk="0" hangingPunct="1">
+                        <a:lnSpc>
+                          <a:spcPct val="100000"/>
+                        </a:lnSpc>
+                        <a:spcBef>
+                          <a:spcPts val="0"/>
+                        </a:spcBef>
+                        <a:spcAft>
+                          <a:spcPts val="0"/>
+                        </a:spcAft>
+                        <a:buClrTx/>
+                        <a:buSzTx/>
+                        <a:buFontTx/>
+                        <a:buNone/>
+                        <a:tabLst/>
+                        <a:defRPr/>
+                      </a:pPr>
+                      <a:r>
+                        <a:rPr lang="de-DE" b="0" dirty="0">
+                          <a:solidFill>
+                            <a:schemeClr val="tx1"/>
+                          </a:solidFill>
+                        </a:rPr>
+                        <a:t>Förderungen</a:t>
+                      </a:r>
+                    </a:p>
+                  </a:txBody>
+                  <a:tcPr>
+                    <a:solidFill>
+                      <a:schemeClr val="accent4">
+                        <a:lumMod val="60000"/>
+                        <a:lumOff val="40000"/>
+                      </a:schemeClr>
+                    </a:solidFill>
+                  </a:tcPr>
+                </a:tc>
+                <a:tc>
+                  <a:txBody>
+                    <a:bodyPr/>
+                    <a:lstStyle/>
+                    <a:p>
+                      <a:pPr marL="0" marR="0" lvl="0" indent="0" algn="l" defTabSz="914400" rtl="0" eaLnBrk="1" fontAlgn="auto" latinLnBrk="0" hangingPunct="1">
+                        <a:lnSpc>
+                          <a:spcPct val="100000"/>
+                        </a:lnSpc>
+                        <a:spcBef>
+                          <a:spcPts val="0"/>
+                        </a:spcBef>
+                        <a:spcAft>
+                          <a:spcPts val="0"/>
+                        </a:spcAft>
+                        <a:buClrTx/>
+                        <a:buSzTx/>
+                        <a:buFontTx/>
+                        <a:buNone/>
+                        <a:tabLst/>
+                        <a:defRPr/>
+                      </a:pPr>
+                      <a:r>
+                        <a:rPr lang="de-DE" b="0" dirty="0">
+                          <a:solidFill>
+                            <a:schemeClr val="tx1"/>
+                          </a:solidFill>
+                        </a:rPr>
+                        <a:t>Konkrete Fundstelle</a:t>
+                      </a:r>
+                    </a:p>
+                  </a:txBody>
+                  <a:tcPr>
+                    <a:solidFill>
+                      <a:schemeClr val="accent4">
+                        <a:lumMod val="60000"/>
+                        <a:lumOff val="40000"/>
+                      </a:schemeClr>
+                    </a:solidFill>
+                  </a:tcPr>
+                </a:tc>
+                <a:tc>
+                  <a:txBody>
+                    <a:bodyPr/>
+                    <a:lstStyle/>
+                    <a:p>
+                      <a:r>
+                        <a:rPr lang="de-DE" b="0" dirty="0">
+                          <a:solidFill>
+                            <a:schemeClr val="tx1"/>
+                          </a:solidFill>
+                        </a:rPr>
+                        <a:t>Keywords</a:t>
+                      </a:r>
+                    </a:p>
+                  </a:txBody>
+                  <a:tcPr>
+                    <a:solidFill>
+                      <a:schemeClr val="accent4">
+                        <a:lumMod val="60000"/>
+                        <a:lumOff val="40000"/>
+                      </a:schemeClr>
+                    </a:solidFill>
+                  </a:tcPr>
+                </a:tc>
+                <a:extLst>
+                  <a:ext uri="{0D108BD9-81ED-4DB2-BD59-A6C34878D82A}">
+                    <a16:rowId xmlns:a16="http://schemas.microsoft.com/office/drawing/2014/main" val="2416335334"/>
+                  </a:ext>
+                </a:extLst>
+              </a:tr>
+              <a:tr h="370840">
+                <a:tc>
+                  <a:txBody>
+                    <a:bodyPr/>
+                    <a:lstStyle/>
+                    <a:p>
+                      <a:pPr marL="0" marR="0" lvl="0" indent="0" algn="l" defTabSz="914400" rtl="0" eaLnBrk="1" fontAlgn="auto" latinLnBrk="0" hangingPunct="1">
+                        <a:lnSpc>
+                          <a:spcPct val="100000"/>
+                        </a:lnSpc>
+                        <a:spcBef>
+                          <a:spcPts val="0"/>
+                        </a:spcBef>
+                        <a:spcAft>
+                          <a:spcPts val="0"/>
+                        </a:spcAft>
+                        <a:buClrTx/>
+                        <a:buSzTx/>
+                        <a:buFontTx/>
+                        <a:buNone/>
+                        <a:tabLst/>
+                        <a:defRPr/>
+                      </a:pPr>
+                      <a:r>
+                        <a:rPr lang="de-DE" sz="1400" dirty="0">
+                          <a:solidFill>
+                            <a:schemeClr val="tx1"/>
+                          </a:solidFill>
+                        </a:rPr>
+                        <a:t>List(</a:t>
+                      </a:r>
+                      <a:r>
+                        <a:rPr lang="de-DE" sz="1400" dirty="0" err="1">
+                          <a:solidFill>
+                            <a:schemeClr val="tx1"/>
+                          </a:solidFill>
+                        </a:rPr>
+                        <a:t>Str</a:t>
+                      </a:r>
+                      <a:r>
+                        <a:rPr lang="de-DE" sz="1400" dirty="0">
+                          <a:solidFill>
+                            <a:schemeClr val="tx1"/>
+                          </a:solidFill>
+                        </a:rPr>
+                        <a:t>)</a:t>
+                      </a:r>
+                    </a:p>
+                  </a:txBody>
+                  <a:tcPr>
+                    <a:solidFill>
+                      <a:schemeClr val="accent4">
+                        <a:lumMod val="20000"/>
+                        <a:lumOff val="80000"/>
+                      </a:schemeClr>
+                    </a:solidFill>
+                  </a:tcPr>
+                </a:tc>
+                <a:tc>
+                  <a:txBody>
+                    <a:bodyPr/>
+                    <a:lstStyle/>
+                    <a:p>
+                      <a:pPr marL="0" marR="0" lvl="0" indent="0" algn="l" defTabSz="914400" rtl="0" eaLnBrk="1" fontAlgn="auto" latinLnBrk="0" hangingPunct="1">
+                        <a:lnSpc>
+                          <a:spcPct val="100000"/>
+                        </a:lnSpc>
+                        <a:spcBef>
+                          <a:spcPts val="0"/>
+                        </a:spcBef>
+                        <a:spcAft>
+                          <a:spcPts val="0"/>
+                        </a:spcAft>
+                        <a:buClrTx/>
+                        <a:buSzTx/>
+                        <a:buFontTx/>
+                        <a:buNone/>
+                        <a:tabLst/>
+                        <a:defRPr/>
+                      </a:pPr>
+                      <a:r>
+                        <a:rPr lang="de-DE" sz="1400" dirty="0">
+                          <a:solidFill>
+                            <a:schemeClr val="tx1"/>
+                          </a:solidFill>
+                        </a:rPr>
+                        <a:t>List(</a:t>
+                      </a:r>
+                      <a:r>
+                        <a:rPr lang="de-DE" sz="1400" dirty="0" err="1">
+                          <a:solidFill>
+                            <a:schemeClr val="tx1"/>
+                          </a:solidFill>
+                        </a:rPr>
+                        <a:t>Str</a:t>
+                      </a:r>
+                      <a:r>
+                        <a:rPr lang="de-DE" sz="1400" dirty="0">
+                          <a:solidFill>
+                            <a:schemeClr val="tx1"/>
+                          </a:solidFill>
+                        </a:rPr>
+                        <a:t>)</a:t>
+                      </a:r>
+                    </a:p>
+                  </a:txBody>
+                  <a:tcPr>
+                    <a:solidFill>
+                      <a:schemeClr val="accent4">
+                        <a:lumMod val="20000"/>
+                        <a:lumOff val="80000"/>
+                      </a:schemeClr>
+                    </a:solidFill>
+                  </a:tcPr>
+                </a:tc>
+                <a:tc>
+                  <a:txBody>
+                    <a:bodyPr/>
+                    <a:lstStyle/>
+                    <a:p>
+                      <a:pPr marL="0" marR="0" lvl="0" indent="0" algn="l" defTabSz="914400" rtl="0" eaLnBrk="1" fontAlgn="auto" latinLnBrk="0" hangingPunct="1">
+                        <a:lnSpc>
+                          <a:spcPct val="100000"/>
+                        </a:lnSpc>
+                        <a:spcBef>
+                          <a:spcPts val="0"/>
+                        </a:spcBef>
+                        <a:spcAft>
+                          <a:spcPts val="0"/>
+                        </a:spcAft>
+                        <a:buClrTx/>
+                        <a:buSzTx/>
+                        <a:buFontTx/>
+                        <a:buNone/>
+                        <a:tabLst/>
+                        <a:defRPr/>
+                      </a:pPr>
+                      <a:r>
+                        <a:rPr lang="de-DE" sz="1400" dirty="0" err="1">
+                          <a:solidFill>
+                            <a:schemeClr val="tx1"/>
+                          </a:solidFill>
+                        </a:rPr>
+                        <a:t>dict</a:t>
+                      </a:r>
+                      <a:endParaRPr lang="de-DE" sz="1400" dirty="0">
+                        <a:solidFill>
+                          <a:schemeClr val="tx1"/>
+                        </a:solidFill>
+                      </a:endParaRPr>
+                    </a:p>
+                  </a:txBody>
+                  <a:tcPr>
+                    <a:solidFill>
+                      <a:schemeClr val="accent4">
+                        <a:lumMod val="20000"/>
+                        <a:lumOff val="80000"/>
+                      </a:schemeClr>
+                    </a:solidFill>
+                  </a:tcPr>
+                </a:tc>
+                <a:tc>
+                  <a:txBody>
+                    <a:bodyPr/>
+                    <a:lstStyle/>
+                    <a:p>
+                      <a:pPr marL="0" marR="0" lvl="0" indent="0" algn="l" defTabSz="914400" rtl="0" eaLnBrk="1" fontAlgn="auto" latinLnBrk="0" hangingPunct="1">
+                        <a:lnSpc>
+                          <a:spcPct val="100000"/>
+                        </a:lnSpc>
+                        <a:spcBef>
+                          <a:spcPts val="0"/>
+                        </a:spcBef>
+                        <a:spcAft>
+                          <a:spcPts val="0"/>
+                        </a:spcAft>
+                        <a:buClrTx/>
+                        <a:buSzTx/>
+                        <a:buFontTx/>
+                        <a:buNone/>
+                        <a:tabLst/>
+                        <a:defRPr/>
+                      </a:pPr>
+                      <a:r>
+                        <a:rPr lang="de-DE" sz="1400" dirty="0">
+                          <a:solidFill>
+                            <a:schemeClr val="tx1"/>
+                          </a:solidFill>
+                        </a:rPr>
+                        <a:t>List(</a:t>
+                      </a:r>
+                      <a:r>
+                        <a:rPr lang="de-DE" sz="1400" dirty="0" err="1">
+                          <a:solidFill>
+                            <a:schemeClr val="tx1"/>
+                          </a:solidFill>
+                        </a:rPr>
+                        <a:t>dict</a:t>
+                      </a:r>
+                      <a:r>
+                        <a:rPr lang="de-DE" sz="1400" dirty="0">
+                          <a:solidFill>
+                            <a:schemeClr val="tx1"/>
+                          </a:solidFill>
+                        </a:rPr>
+                        <a:t>)</a:t>
+                      </a:r>
+                    </a:p>
+                  </a:txBody>
+                  <a:tcPr>
+                    <a:solidFill>
+                      <a:schemeClr val="accent4">
+                        <a:lumMod val="20000"/>
+                        <a:lumOff val="80000"/>
+                      </a:schemeClr>
+                    </a:solidFill>
+                  </a:tcPr>
+                </a:tc>
+                <a:tc>
+                  <a:txBody>
+                    <a:bodyPr/>
+                    <a:lstStyle/>
+                    <a:p>
+                      <a:pPr marL="0" marR="0" lvl="0" indent="0" algn="l" defTabSz="914400" rtl="0" eaLnBrk="1" fontAlgn="auto" latinLnBrk="0" hangingPunct="1">
+                        <a:lnSpc>
+                          <a:spcPct val="100000"/>
+                        </a:lnSpc>
+                        <a:spcBef>
+                          <a:spcPts val="0"/>
+                        </a:spcBef>
+                        <a:spcAft>
+                          <a:spcPts val="0"/>
+                        </a:spcAft>
+                        <a:buClrTx/>
+                        <a:buSzTx/>
+                        <a:buFontTx/>
+                        <a:buNone/>
+                        <a:tabLst/>
+                        <a:defRPr/>
+                      </a:pPr>
+                      <a:r>
+                        <a:rPr lang="de-DE" sz="1400" dirty="0">
+                          <a:solidFill>
+                            <a:schemeClr val="tx1"/>
+                          </a:solidFill>
+                        </a:rPr>
+                        <a:t>List(</a:t>
+                      </a:r>
+                      <a:r>
+                        <a:rPr lang="de-DE" sz="1400" dirty="0" err="1">
+                          <a:solidFill>
+                            <a:schemeClr val="tx1"/>
+                          </a:solidFill>
+                        </a:rPr>
+                        <a:t>dict</a:t>
+                      </a:r>
+                      <a:r>
+                        <a:rPr lang="de-DE" sz="1400" dirty="0">
+                          <a:solidFill>
+                            <a:schemeClr val="tx1"/>
+                          </a:solidFill>
+                        </a:rPr>
+                        <a:t>)</a:t>
+                      </a:r>
+                    </a:p>
+                  </a:txBody>
+                  <a:tcPr>
+                    <a:solidFill>
+                      <a:schemeClr val="accent4">
+                        <a:lumMod val="20000"/>
+                        <a:lumOff val="80000"/>
+                      </a:schemeClr>
+                    </a:solidFill>
+                  </a:tcPr>
+                </a:tc>
+                <a:tc>
+                  <a:txBody>
+                    <a:bodyPr/>
+                    <a:lstStyle/>
+                    <a:p>
+                      <a:r>
+                        <a:rPr lang="de-DE" sz="1400" dirty="0" err="1">
+                          <a:solidFill>
+                            <a:schemeClr val="tx1"/>
+                          </a:solidFill>
+                        </a:rPr>
+                        <a:t>dict</a:t>
+                      </a:r>
+                      <a:endParaRPr lang="de-DE" sz="1400" dirty="0">
+                        <a:solidFill>
+                          <a:schemeClr val="tx1"/>
+                        </a:solidFill>
+                      </a:endParaRPr>
+                    </a:p>
+                  </a:txBody>
+                  <a:tcPr>
+                    <a:solidFill>
+                      <a:schemeClr val="accent4">
+                        <a:lumMod val="20000"/>
+                        <a:lumOff val="80000"/>
+                      </a:schemeClr>
+                    </a:solidFill>
+                  </a:tcPr>
+                </a:tc>
+                <a:tc>
+                  <a:txBody>
+                    <a:bodyPr/>
+                    <a:lstStyle/>
+                    <a:p>
+                      <a:pPr marL="0" marR="0" lvl="0" indent="0" algn="l" defTabSz="914400" rtl="0" eaLnBrk="1" fontAlgn="auto" latinLnBrk="0" hangingPunct="1">
+                        <a:lnSpc>
+                          <a:spcPct val="100000"/>
+                        </a:lnSpc>
+                        <a:spcBef>
+                          <a:spcPts val="0"/>
+                        </a:spcBef>
+                        <a:spcAft>
+                          <a:spcPts val="0"/>
+                        </a:spcAft>
+                        <a:buClrTx/>
+                        <a:buSzTx/>
+                        <a:buFontTx/>
+                        <a:buNone/>
+                        <a:tabLst/>
+                        <a:defRPr/>
+                      </a:pPr>
+                      <a:r>
+                        <a:rPr lang="de-DE" sz="1400" dirty="0">
+                          <a:solidFill>
+                            <a:schemeClr val="tx1"/>
+                          </a:solidFill>
+                        </a:rPr>
+                        <a:t>List(</a:t>
+                      </a:r>
+                      <a:r>
+                        <a:rPr lang="de-DE" sz="1400" dirty="0" err="1">
+                          <a:solidFill>
+                            <a:schemeClr val="tx1"/>
+                          </a:solidFill>
+                        </a:rPr>
+                        <a:t>dcit</a:t>
+                      </a:r>
+                      <a:r>
+                        <a:rPr lang="de-DE" sz="1400" dirty="0">
+                          <a:solidFill>
+                            <a:schemeClr val="tx1"/>
+                          </a:solidFill>
+                        </a:rPr>
+                        <a:t>)</a:t>
+                      </a:r>
+                    </a:p>
+                  </a:txBody>
+                  <a:tcPr>
+                    <a:solidFill>
+                      <a:schemeClr val="accent4">
+                        <a:lumMod val="20000"/>
+                        <a:lumOff val="80000"/>
+                      </a:schemeClr>
+                    </a:solidFill>
+                  </a:tcPr>
+                </a:tc>
+                <a:extLst>
+                  <a:ext uri="{0D108BD9-81ED-4DB2-BD59-A6C34878D82A}">
+                    <a16:rowId xmlns:a16="http://schemas.microsoft.com/office/drawing/2014/main" val="3527580992"/>
+                  </a:ext>
+                </a:extLst>
+              </a:tr>
+            </a:tbl>
+          </a:graphicData>
+        </a:graphic>
+      </p:graphicFrame>
+      <p:sp>
+        <p:nvSpPr>
+          <p:cNvPr id="17" name="Textfeld 16">
+            <a:extLst>
+              <a:ext uri="{FF2B5EF4-FFF2-40B4-BE49-F238E27FC236}">
+                <a16:creationId xmlns:a16="http://schemas.microsoft.com/office/drawing/2014/main" id="{BED06B1B-3550-A3E2-C9FC-ADEAACD547F2}"/>
+              </a:ext>
+            </a:extLst>
+          </p:cNvPr>
+          <p:cNvSpPr txBox="1"/>
           <p:nvPr/>
         </p:nvSpPr>
         <p:spPr>
           <a:xfrm>
-            <a:off x="9760225" y="1693176"/>
-            <a:ext cx="2166731" cy="646331"/>
+            <a:off x="146208" y="5926310"/>
+            <a:ext cx="8121006" cy="400110"/>
           </a:xfrm>
-          <a:prstGeom prst="roundRect">
+          <a:prstGeom prst="rect">
             <a:avLst/>
           </a:prstGeom>
+          <a:noFill/>
         </p:spPr>
-        <p:style>
-          <a:lnRef idx="2">
-            <a:schemeClr val="accent1">
-              <a:shade val="15000"/>
-            </a:schemeClr>
-          </a:lnRef>
-          <a:fillRef idx="1">
-            <a:schemeClr val="accent1"/>
-          </a:fillRef>
-          <a:effectRef idx="0">
-            <a:schemeClr val="accent1"/>
-          </a:effectRef>
-          <a:fontRef idx="minor">
-            <a:schemeClr val="lt1"/>
-          </a:fontRef>
-        </p:style>
-        <p:txBody>
-          <a:bodyPr rtlCol="0" anchor="ctr"/>
+        <p:txBody>
+          <a:bodyPr wrap="none" rtlCol="0">
+            <a:spAutoFit/>
+          </a:bodyPr>
           <a:lstStyle/>
           <a:p>
-            <a:pPr algn="ctr"/>
-            <a:r>
-              <a:rPr lang="de-DE" dirty="0"/>
-              <a:t>Datenformat: JSON</a:t>
-            </a:r>
+            <a:r>
+              <a:rPr lang="de-DE" sz="2000" b="1" dirty="0"/>
+              <a:t>Struktur der Daten</a:t>
+            </a:r>
+            <a:r>
+              <a:rPr lang="de-DE" sz="2000" dirty="0"/>
+              <a:t>: </a:t>
+            </a:r>
+            <a:r>
+              <a:rPr lang="de-DE" sz="2000" b="0" i="0" dirty="0">
+                <a:effectLst/>
+                <a:latin typeface="-apple-system"/>
+              </a:rPr>
+              <a:t>Kombination von </a:t>
+            </a:r>
+            <a:r>
+              <a:rPr lang="de-DE" sz="2000" b="0" i="0" u="sng" dirty="0">
+                <a:effectLst/>
+                <a:latin typeface="-apple-system"/>
+              </a:rPr>
+              <a:t>unterschiedlich strukturierten</a:t>
+            </a:r>
+            <a:r>
+              <a:rPr lang="de-DE" sz="2000" b="0" i="0" dirty="0">
+                <a:effectLst/>
+                <a:latin typeface="-apple-system"/>
+              </a:rPr>
+              <a:t> Daten</a:t>
+            </a:r>
+            <a:endParaRPr lang="de-DE" sz="2000" dirty="0"/>
+          </a:p>
+        </p:txBody>
+      </p:sp>
+      <p:sp>
+        <p:nvSpPr>
+          <p:cNvPr id="18" name="Foliennummernplatzhalter 17">
+            <a:extLst>
+              <a:ext uri="{FF2B5EF4-FFF2-40B4-BE49-F238E27FC236}">
+                <a16:creationId xmlns:a16="http://schemas.microsoft.com/office/drawing/2014/main" id="{9F6B29C1-4371-8294-792C-3215833BBC06}"/>
+              </a:ext>
+            </a:extLst>
+          </p:cNvPr>
+          <p:cNvSpPr>
+            <a:spLocks noGrp="1"/>
+          </p:cNvSpPr>
+          <p:nvPr>
+            <p:ph type="sldNum" sz="quarter" idx="12"/>
+          </p:nvPr>
+        </p:nvSpPr>
+        <p:spPr/>
+        <p:txBody>
+          <a:bodyPr/>
+          <a:lstStyle/>
+          <a:p>
+            <a:fld id="{148CC95F-0247-41B6-91CF-DC97C76A7088}" type="slidenum">
+              <a:rPr lang="en-US" smtClean="0"/>
+              <a:t>3</a:t>
+            </a:fld>
+            <a:endParaRPr lang="en-US"/>
           </a:p>
         </p:txBody>
       </p:sp>
@@ -7003,48 +7900,68 @@
           </a:xfrm>
         </p:spPr>
       </p:pic>
-      <p:pic>
-        <p:nvPicPr>
-          <p:cNvPr id="3" name="Grafik 2" descr="Ein Bild, das Entwurf, Diagramm, Plan, Zeichnung enthält.&#10;&#10;KI-generierte Inhalte können fehlerhaft sein.">
-            <a:extLst>
-              <a:ext uri="{FF2B5EF4-FFF2-40B4-BE49-F238E27FC236}">
-                <a16:creationId xmlns:a16="http://schemas.microsoft.com/office/drawing/2014/main" id="{DDD9C488-6B04-13C1-46D7-B418047DC9FD}"/>
-              </a:ext>
-            </a:extLst>
-          </p:cNvPr>
-          <p:cNvPicPr>
-            <a:picLocks noChangeAspect="1"/>
-          </p:cNvPicPr>
+      <p:sp>
+        <p:nvSpPr>
+          <p:cNvPr id="13" name="Zylinder 12">
+            <a:extLst>
+              <a:ext uri="{FF2B5EF4-FFF2-40B4-BE49-F238E27FC236}">
+                <a16:creationId xmlns:a16="http://schemas.microsoft.com/office/drawing/2014/main" id="{6607CD3D-6CD7-E928-447B-780760BC7234}"/>
+              </a:ext>
+            </a:extLst>
+          </p:cNvPr>
+          <p:cNvSpPr/>
           <p:nvPr/>
-        </p:nvPicPr>
-        <p:blipFill>
-          <a:blip r:embed="rId3">
-            <a:extLst>
-              <a:ext uri="{28A0092B-C50C-407E-A947-70E740481C1C}">
-                <a14:useLocalDpi xmlns:a14="http://schemas.microsoft.com/office/drawing/2010/main" val="0"/>
-              </a:ext>
-            </a:extLst>
-          </a:blip>
-          <a:stretch>
-            <a:fillRect/>
-          </a:stretch>
-        </p:blipFill>
+        </p:nvSpPr>
         <p:spPr>
           <a:xfrm>
-            <a:off x="1788144" y="1849713"/>
-            <a:ext cx="8615712" cy="3158573"/>
+            <a:off x="782464" y="2846403"/>
+            <a:ext cx="1196171" cy="1157443"/>
           </a:xfrm>
-          <a:prstGeom prst="rect">
+          <a:prstGeom prst="can">
             <a:avLst/>
           </a:prstGeom>
+          <a:solidFill>
+            <a:schemeClr val="bg1"/>
+          </a:solidFill>
+          <a:ln>
+            <a:solidFill>
+              <a:schemeClr val="tx1"/>
+            </a:solidFill>
+          </a:ln>
         </p:spPr>
-      </p:pic>
-      <p:sp>
-        <p:nvSpPr>
-          <p:cNvPr id="4" name="Rechteck: abgerundete Ecken 3">
-            <a:extLst>
-              <a:ext uri="{FF2B5EF4-FFF2-40B4-BE49-F238E27FC236}">
-                <a16:creationId xmlns:a16="http://schemas.microsoft.com/office/drawing/2014/main" id="{732AF61E-4786-F294-7292-2FDAC6FCF50C}"/>
+        <p:style>
+          <a:lnRef idx="2">
+            <a:schemeClr val="accent6"/>
+          </a:lnRef>
+          <a:fillRef idx="1">
+            <a:schemeClr val="lt1"/>
+          </a:fillRef>
+          <a:effectRef idx="0">
+            <a:schemeClr val="accent6"/>
+          </a:effectRef>
+          <a:fontRef idx="minor">
+            <a:schemeClr val="dk1"/>
+          </a:fontRef>
+        </p:style>
+        <p:txBody>
+          <a:bodyPr rtlCol="0" anchor="ctr"/>
+          <a:lstStyle/>
+          <a:p>
+            <a:pPr algn="ctr"/>
+            <a:r>
+              <a:rPr lang="de-DE" dirty="0" err="1"/>
+              <a:t>ArXiv</a:t>
+            </a:r>
+            <a:endParaRPr lang="de-DE" dirty="0"/>
+          </a:p>
+        </p:txBody>
+      </p:sp>
+      <p:sp>
+        <p:nvSpPr>
+          <p:cNvPr id="14" name="Rechteck: abgerundete Ecken 13">
+            <a:extLst>
+              <a:ext uri="{FF2B5EF4-FFF2-40B4-BE49-F238E27FC236}">
+                <a16:creationId xmlns:a16="http://schemas.microsoft.com/office/drawing/2014/main" id="{EF9A51F9-A879-57E5-FA0F-57AB4785D889}"/>
               </a:ext>
             </a:extLst>
           </p:cNvPr>
@@ -7053,12 +7970,20 @@
         </p:nvSpPr>
         <p:spPr>
           <a:xfrm>
-            <a:off x="924340" y="1581356"/>
-            <a:ext cx="1292086" cy="536713"/>
+            <a:off x="3114541" y="2928859"/>
+            <a:ext cx="2367149" cy="992529"/>
           </a:xfrm>
           <a:prstGeom prst="roundRect">
             <a:avLst/>
           </a:prstGeom>
+          <a:solidFill>
+            <a:schemeClr val="bg1"/>
+          </a:solidFill>
+          <a:ln>
+            <a:solidFill>
+              <a:schemeClr val="tx1"/>
+            </a:solidFill>
+          </a:ln>
         </p:spPr>
         <p:style>
           <a:lnRef idx="2">
@@ -7082,18 +8007,54 @@
           <a:p>
             <a:pPr algn="ctr"/>
             <a:r>
-              <a:rPr lang="de-DE" dirty="0"/>
-              <a:t>Via Python</a:t>
-            </a:r>
-          </a:p>
-        </p:txBody>
-      </p:sp>
-      <p:sp>
-        <p:nvSpPr>
-          <p:cNvPr id="5" name="Rechteck: abgerundete Ecken 4">
-            <a:extLst>
-              <a:ext uri="{FF2B5EF4-FFF2-40B4-BE49-F238E27FC236}">
-                <a16:creationId xmlns:a16="http://schemas.microsoft.com/office/drawing/2014/main" id="{6EFDA688-2DE2-DCA8-BF8F-6B31E9CF153A}"/>
+              <a:rPr lang="de-DE" dirty="0" err="1">
+                <a:solidFill>
+                  <a:schemeClr val="tx1"/>
+                </a:solidFill>
+              </a:rPr>
+              <a:t>Filtering</a:t>
+            </a:r>
+            <a:endParaRPr lang="de-DE" dirty="0">
+              <a:solidFill>
+                <a:schemeClr val="tx1"/>
+              </a:solidFill>
+            </a:endParaRPr>
+          </a:p>
+          <a:p>
+            <a:pPr algn="ctr"/>
+            <a:r>
+              <a:rPr lang="de-DE" sz="1400" dirty="0">
+                <a:solidFill>
+                  <a:schemeClr val="tx1"/>
+                </a:solidFill>
+              </a:rPr>
+              <a:t>Stichwort </a:t>
+            </a:r>
+            <a:r>
+              <a:rPr lang="de-DE" sz="1400" dirty="0" err="1">
+                <a:solidFill>
+                  <a:schemeClr val="tx1"/>
+                </a:solidFill>
+              </a:rPr>
+              <a:t>Matching</a:t>
+            </a:r>
+            <a:r>
+              <a:rPr lang="de-DE" sz="1400" dirty="0">
+                <a:solidFill>
+                  <a:schemeClr val="tx1"/>
+                </a:solidFill>
+              </a:rPr>
+              <a:t> im Titel und Abstrakt</a:t>
+            </a:r>
+          </a:p>
+        </p:txBody>
+      </p:sp>
+      <p:sp>
+        <p:nvSpPr>
+          <p:cNvPr id="15" name="Flussdiagramm: Mehrere Dokumente 14">
+            <a:extLst>
+              <a:ext uri="{FF2B5EF4-FFF2-40B4-BE49-F238E27FC236}">
+                <a16:creationId xmlns:a16="http://schemas.microsoft.com/office/drawing/2014/main" id="{9239396A-7469-6972-2EEC-2DD756036ACC}"/>
               </a:ext>
             </a:extLst>
           </p:cNvPr>
@@ -7102,12 +8063,20 @@
         </p:nvSpPr>
         <p:spPr>
           <a:xfrm>
-            <a:off x="5449957" y="2833685"/>
-            <a:ext cx="1292086" cy="536713"/>
+            <a:off x="6619419" y="2846403"/>
+            <a:ext cx="1737056" cy="1157443"/>
           </a:xfrm>
-          <a:prstGeom prst="roundRect">
+          <a:prstGeom prst="flowChartMultidocument">
             <a:avLst/>
           </a:prstGeom>
+          <a:solidFill>
+            <a:schemeClr val="bg1"/>
+          </a:solidFill>
+          <a:ln>
+            <a:solidFill>
+              <a:schemeClr val="tx1"/>
+            </a:solidFill>
+          </a:ln>
         </p:spPr>
         <p:style>
           <a:lnRef idx="2">
@@ -7131,18 +8100,33 @@
           <a:p>
             <a:pPr algn="ctr"/>
             <a:r>
-              <a:rPr lang="de-DE" dirty="0"/>
-              <a:t>Via Python</a:t>
-            </a:r>
-          </a:p>
-        </p:txBody>
-      </p:sp>
-      <p:sp>
-        <p:nvSpPr>
-          <p:cNvPr id="7" name="Rechteck: abgerundete Ecken 6">
-            <a:extLst>
-              <a:ext uri="{FF2B5EF4-FFF2-40B4-BE49-F238E27FC236}">
-                <a16:creationId xmlns:a16="http://schemas.microsoft.com/office/drawing/2014/main" id="{11937B80-3AED-FC62-2CA1-57879F63D6B2}"/>
+              <a:rPr lang="de-DE" dirty="0">
+                <a:solidFill>
+                  <a:schemeClr val="tx1"/>
+                </a:solidFill>
+              </a:rPr>
+              <a:t>Artikel</a:t>
+            </a:r>
+          </a:p>
+          <a:p>
+            <a:pPr algn="ctr"/>
+            <a:r>
+              <a:rPr lang="de-DE" dirty="0">
+                <a:solidFill>
+                  <a:schemeClr val="tx1"/>
+                </a:solidFill>
+              </a:rPr>
+              <a:t>&amp; Metadaten</a:t>
+            </a:r>
+          </a:p>
+        </p:txBody>
+      </p:sp>
+      <p:sp>
+        <p:nvSpPr>
+          <p:cNvPr id="16" name="Flussdiagramm: Daten 15">
+            <a:extLst>
+              <a:ext uri="{FF2B5EF4-FFF2-40B4-BE49-F238E27FC236}">
+                <a16:creationId xmlns:a16="http://schemas.microsoft.com/office/drawing/2014/main" id="{DF5249C2-2EAB-7ED8-F19B-4DB1ACC8284D}"/>
               </a:ext>
             </a:extLst>
           </p:cNvPr>
@@ -7151,12 +8135,20 @@
         </p:nvSpPr>
         <p:spPr>
           <a:xfrm>
-            <a:off x="3829879" y="1044643"/>
-            <a:ext cx="2083904" cy="536713"/>
+            <a:off x="6096000" y="5363287"/>
+            <a:ext cx="2241564" cy="1157443"/>
           </a:xfrm>
-          <a:prstGeom prst="roundRect">
+          <a:prstGeom prst="flowChartInputOutput">
             <a:avLst/>
           </a:prstGeom>
+          <a:solidFill>
+            <a:schemeClr val="bg1"/>
+          </a:solidFill>
+          <a:ln>
+            <a:solidFill>
+              <a:schemeClr val="tx1"/>
+            </a:solidFill>
+          </a:ln>
         </p:spPr>
         <p:style>
           <a:lnRef idx="2">
@@ -7180,18 +8172,22 @@
           <a:p>
             <a:pPr algn="ctr"/>
             <a:r>
-              <a:rPr lang="de-DE" dirty="0"/>
-              <a:t>Filterung genauer beschreiben</a:t>
-            </a:r>
-          </a:p>
-        </p:txBody>
-      </p:sp>
-      <p:sp>
-        <p:nvSpPr>
-          <p:cNvPr id="8" name="Rechteck: abgerundete Ecken 7">
-            <a:extLst>
-              <a:ext uri="{FF2B5EF4-FFF2-40B4-BE49-F238E27FC236}">
-                <a16:creationId xmlns:a16="http://schemas.microsoft.com/office/drawing/2014/main" id="{C09A58C9-3BCF-1483-4FF9-0DBD463DA829}"/>
+              <a:rPr lang="de-DE" dirty="0">
+                <a:solidFill>
+                  <a:schemeClr val="tx1"/>
+                </a:solidFill>
+              </a:rPr>
+              <a:t>Zusätzliche Metadaten</a:t>
+            </a:r>
+          </a:p>
+        </p:txBody>
+      </p:sp>
+      <p:sp>
+        <p:nvSpPr>
+          <p:cNvPr id="17" name="Rechteck: abgerundete Ecken 16">
+            <a:extLst>
+              <a:ext uri="{FF2B5EF4-FFF2-40B4-BE49-F238E27FC236}">
+                <a16:creationId xmlns:a16="http://schemas.microsoft.com/office/drawing/2014/main" id="{2C3F9FB2-E302-18D2-F79B-763FCCC8C8AA}"/>
               </a:ext>
             </a:extLst>
           </p:cNvPr>
@@ -7200,12 +8196,20 @@
         </p:nvSpPr>
         <p:spPr>
           <a:xfrm>
-            <a:off x="9260658" y="1074460"/>
-            <a:ext cx="2511287" cy="1834391"/>
+            <a:off x="3114540" y="4288300"/>
+            <a:ext cx="2367149" cy="992529"/>
           </a:xfrm>
           <a:prstGeom prst="roundRect">
             <a:avLst/>
           </a:prstGeom>
+          <a:solidFill>
+            <a:schemeClr val="bg1"/>
+          </a:solidFill>
+          <a:ln>
+            <a:solidFill>
+              <a:schemeClr val="tx1"/>
+            </a:solidFill>
+          </a:ln>
         </p:spPr>
         <p:style>
           <a:lnRef idx="2">
@@ -7229,18 +8233,59 @@
           <a:p>
             <a:pPr algn="ctr"/>
             <a:r>
-              <a:rPr lang="de-DE" dirty="0"/>
-              <a:t>Die ganzen Daten werden zusammengefasst -&gt; neue JSON; Es ist eine Teilmenge, das aufzeigen</a:t>
-            </a:r>
-          </a:p>
-        </p:txBody>
-      </p:sp>
-      <p:sp>
-        <p:nvSpPr>
-          <p:cNvPr id="11" name="Rechteck: abgerundete Ecken 10">
-            <a:extLst>
-              <a:ext uri="{FF2B5EF4-FFF2-40B4-BE49-F238E27FC236}">
-                <a16:creationId xmlns:a16="http://schemas.microsoft.com/office/drawing/2014/main" id="{D7C4012B-8BD3-AA3A-7F44-F889940E686C}"/>
+              <a:rPr lang="de-DE" dirty="0" err="1">
+                <a:solidFill>
+                  <a:schemeClr val="tx1"/>
+                </a:solidFill>
+              </a:rPr>
+              <a:t>Matching</a:t>
+            </a:r>
+            <a:endParaRPr lang="de-DE" sz="1400" dirty="0">
+              <a:solidFill>
+                <a:schemeClr val="tx1"/>
+              </a:solidFill>
+            </a:endParaRPr>
+          </a:p>
+          <a:p>
+            <a:pPr algn="ctr"/>
+            <a:r>
+              <a:rPr lang="de-DE" sz="1400" dirty="0">
+                <a:solidFill>
+                  <a:schemeClr val="tx1"/>
+                </a:solidFill>
+              </a:rPr>
+              <a:t>Mit DOI OR </a:t>
+            </a:r>
+            <a:r>
+              <a:rPr lang="de-DE" sz="1400" dirty="0" err="1">
+                <a:solidFill>
+                  <a:schemeClr val="tx1"/>
+                </a:solidFill>
+              </a:rPr>
+              <a:t>arxiv_id</a:t>
+            </a:r>
+            <a:r>
+              <a:rPr lang="de-DE" sz="1400" dirty="0">
+                <a:solidFill>
+                  <a:schemeClr val="tx1"/>
+                </a:solidFill>
+              </a:rPr>
+              <a:t> OR Titel</a:t>
+            </a:r>
+            <a:endParaRPr lang="de-DE" dirty="0">
+              <a:solidFill>
+                <a:schemeClr val="tx1"/>
+              </a:solidFill>
+            </a:endParaRPr>
+          </a:p>
+        </p:txBody>
+      </p:sp>
+      <p:sp>
+        <p:nvSpPr>
+          <p:cNvPr id="18" name="Zylinder 17">
+            <a:extLst>
+              <a:ext uri="{FF2B5EF4-FFF2-40B4-BE49-F238E27FC236}">
+                <a16:creationId xmlns:a16="http://schemas.microsoft.com/office/drawing/2014/main" id="{7F5A3068-BEDA-58FB-A25D-67C6D89D3DD2}"/>
               </a:ext>
             </a:extLst>
           </p:cNvPr>
@@ -7249,12 +8294,20 @@
         </p:nvSpPr>
         <p:spPr>
           <a:xfrm>
-            <a:off x="9757812" y="4069452"/>
-            <a:ext cx="1423709" cy="536713"/>
+            <a:off x="782463" y="4205844"/>
+            <a:ext cx="1196171" cy="1157443"/>
           </a:xfrm>
-          <a:prstGeom prst="roundRect">
+          <a:prstGeom prst="can">
             <a:avLst/>
           </a:prstGeom>
+          <a:solidFill>
+            <a:schemeClr val="bg1"/>
+          </a:solidFill>
+          <a:ln>
+            <a:solidFill>
+              <a:schemeClr val="tx1"/>
+            </a:solidFill>
+          </a:ln>
         </p:spPr>
         <p:style>
           <a:lnRef idx="2">
@@ -7278,28 +8331,857 @@
           <a:p>
             <a:pPr algn="ctr"/>
             <a:r>
+              <a:rPr lang="de-DE" dirty="0" err="1">
+                <a:solidFill>
+                  <a:schemeClr val="tx1"/>
+                </a:solidFill>
+              </a:rPr>
+              <a:t>OpenAlex</a:t>
+            </a:r>
+            <a:endParaRPr lang="de-DE" dirty="0">
+              <a:solidFill>
+                <a:schemeClr val="tx1"/>
+              </a:solidFill>
+            </a:endParaRPr>
+          </a:p>
+        </p:txBody>
+      </p:sp>
+      <p:sp>
+        <p:nvSpPr>
+          <p:cNvPr id="19" name="Zylinder 18">
+            <a:extLst>
+              <a:ext uri="{FF2B5EF4-FFF2-40B4-BE49-F238E27FC236}">
+                <a16:creationId xmlns:a16="http://schemas.microsoft.com/office/drawing/2014/main" id="{0B9DE942-9F9D-2B99-8402-A041B61AA546}"/>
+              </a:ext>
+            </a:extLst>
+          </p:cNvPr>
+          <p:cNvSpPr/>
+          <p:nvPr/>
+        </p:nvSpPr>
+        <p:spPr>
+          <a:xfrm>
+            <a:off x="9735007" y="4042287"/>
+            <a:ext cx="1196171" cy="1157443"/>
+          </a:xfrm>
+          <a:prstGeom prst="can">
+            <a:avLst/>
+          </a:prstGeom>
+          <a:solidFill>
+            <a:schemeClr val="bg1"/>
+          </a:solidFill>
+          <a:ln>
+            <a:solidFill>
+              <a:schemeClr val="tx1"/>
+            </a:solidFill>
+          </a:ln>
+        </p:spPr>
+        <p:style>
+          <a:lnRef idx="2">
+            <a:schemeClr val="accent1">
+              <a:shade val="15000"/>
+            </a:schemeClr>
+          </a:lnRef>
+          <a:fillRef idx="1">
+            <a:schemeClr val="accent1"/>
+          </a:fillRef>
+          <a:effectRef idx="0">
+            <a:schemeClr val="accent1"/>
+          </a:effectRef>
+          <a:fontRef idx="minor">
+            <a:schemeClr val="lt1"/>
+          </a:fontRef>
+        </p:style>
+        <p:txBody>
+          <a:bodyPr rtlCol="0" anchor="ctr"/>
+          <a:lstStyle/>
+          <a:p>
+            <a:pPr algn="ctr"/>
+            <a:r>
+              <a:rPr lang="de-DE" dirty="0">
+                <a:solidFill>
+                  <a:schemeClr val="tx1"/>
+                </a:solidFill>
+              </a:rPr>
+              <a:t>Index</a:t>
+            </a:r>
+          </a:p>
+        </p:txBody>
+      </p:sp>
+      <p:cxnSp>
+        <p:nvCxnSpPr>
+          <p:cNvPr id="21" name="Gerade Verbindung mit Pfeil 20">
+            <a:extLst>
+              <a:ext uri="{FF2B5EF4-FFF2-40B4-BE49-F238E27FC236}">
+                <a16:creationId xmlns:a16="http://schemas.microsoft.com/office/drawing/2014/main" id="{9BFF1631-3F6F-FA4A-A277-55B71CD41EE6}"/>
+              </a:ext>
+            </a:extLst>
+          </p:cNvPr>
+          <p:cNvCxnSpPr>
+            <a:stCxn id="13" idx="4"/>
+            <a:endCxn id="14" idx="1"/>
+          </p:cNvCxnSpPr>
+          <p:nvPr/>
+        </p:nvCxnSpPr>
+        <p:spPr>
+          <a:xfrm flipV="1">
+            <a:off x="1978635" y="3425124"/>
+            <a:ext cx="1135906" cy="1"/>
+          </a:xfrm>
+          <a:prstGeom prst="straightConnector1">
+            <a:avLst/>
+          </a:prstGeom>
+          <a:ln>
+            <a:solidFill>
+              <a:schemeClr val="tx1"/>
+            </a:solidFill>
+            <a:tailEnd type="triangle"/>
+          </a:ln>
+        </p:spPr>
+        <p:style>
+          <a:lnRef idx="2">
+            <a:schemeClr val="accent1"/>
+          </a:lnRef>
+          <a:fillRef idx="0">
+            <a:schemeClr val="accent1"/>
+          </a:fillRef>
+          <a:effectRef idx="1">
+            <a:schemeClr val="accent1"/>
+          </a:effectRef>
+          <a:fontRef idx="minor">
+            <a:schemeClr val="tx1"/>
+          </a:fontRef>
+        </p:style>
+      </p:cxnSp>
+      <p:cxnSp>
+        <p:nvCxnSpPr>
+          <p:cNvPr id="23" name="Gerade Verbindung mit Pfeil 22">
+            <a:extLst>
+              <a:ext uri="{FF2B5EF4-FFF2-40B4-BE49-F238E27FC236}">
+                <a16:creationId xmlns:a16="http://schemas.microsoft.com/office/drawing/2014/main" id="{B1A302A7-33E1-CB50-520F-4EEA92922AC0}"/>
+              </a:ext>
+            </a:extLst>
+          </p:cNvPr>
+          <p:cNvCxnSpPr>
+            <a:stCxn id="14" idx="3"/>
+            <a:endCxn id="15" idx="1"/>
+          </p:cNvCxnSpPr>
+          <p:nvPr/>
+        </p:nvCxnSpPr>
+        <p:spPr>
+          <a:xfrm>
+            <a:off x="5481690" y="3425124"/>
+            <a:ext cx="1137729" cy="1"/>
+          </a:xfrm>
+          <a:prstGeom prst="straightConnector1">
+            <a:avLst/>
+          </a:prstGeom>
+          <a:ln>
+            <a:solidFill>
+              <a:schemeClr val="tx1"/>
+            </a:solidFill>
+            <a:tailEnd type="triangle"/>
+          </a:ln>
+        </p:spPr>
+        <p:style>
+          <a:lnRef idx="2">
+            <a:schemeClr val="accent1"/>
+          </a:lnRef>
+          <a:fillRef idx="0">
+            <a:schemeClr val="accent1"/>
+          </a:fillRef>
+          <a:effectRef idx="1">
+            <a:schemeClr val="accent1"/>
+          </a:effectRef>
+          <a:fontRef idx="minor">
+            <a:schemeClr val="tx1"/>
+          </a:fontRef>
+        </p:style>
+      </p:cxnSp>
+      <p:cxnSp>
+        <p:nvCxnSpPr>
+          <p:cNvPr id="26" name="Verbinder: gewinkelt 25">
+            <a:extLst>
+              <a:ext uri="{FF2B5EF4-FFF2-40B4-BE49-F238E27FC236}">
+                <a16:creationId xmlns:a16="http://schemas.microsoft.com/office/drawing/2014/main" id="{57DC48B5-52EA-3654-A439-3EC319C75D44}"/>
+              </a:ext>
+            </a:extLst>
+          </p:cNvPr>
+          <p:cNvCxnSpPr>
+            <a:stCxn id="15" idx="2"/>
+            <a:endCxn id="17" idx="3"/>
+          </p:cNvCxnSpPr>
+          <p:nvPr/>
+        </p:nvCxnSpPr>
+        <p:spPr>
+          <a:xfrm rot="5400000">
+            <a:off x="6012147" y="3429555"/>
+            <a:ext cx="824552" cy="1885468"/>
+          </a:xfrm>
+          <a:prstGeom prst="bentConnector2">
+            <a:avLst/>
+          </a:prstGeom>
+          <a:ln>
+            <a:solidFill>
+              <a:schemeClr val="tx1"/>
+            </a:solidFill>
+            <a:tailEnd type="triangle"/>
+          </a:ln>
+        </p:spPr>
+        <p:style>
+          <a:lnRef idx="2">
+            <a:schemeClr val="accent1"/>
+          </a:lnRef>
+          <a:fillRef idx="0">
+            <a:schemeClr val="accent1"/>
+          </a:fillRef>
+          <a:effectRef idx="1">
+            <a:schemeClr val="accent1"/>
+          </a:effectRef>
+          <a:fontRef idx="minor">
+            <a:schemeClr val="tx1"/>
+          </a:fontRef>
+        </p:style>
+      </p:cxnSp>
+      <p:cxnSp>
+        <p:nvCxnSpPr>
+          <p:cNvPr id="29" name="Gerade Verbindung mit Pfeil 28">
+            <a:extLst>
+              <a:ext uri="{FF2B5EF4-FFF2-40B4-BE49-F238E27FC236}">
+                <a16:creationId xmlns:a16="http://schemas.microsoft.com/office/drawing/2014/main" id="{AC62F92A-AD7A-99DA-AD53-452E2E186FFC}"/>
+              </a:ext>
+            </a:extLst>
+          </p:cNvPr>
+          <p:cNvCxnSpPr>
+            <a:stCxn id="17" idx="1"/>
+            <a:endCxn id="18" idx="4"/>
+          </p:cNvCxnSpPr>
+          <p:nvPr/>
+        </p:nvCxnSpPr>
+        <p:spPr>
+          <a:xfrm flipH="1">
+            <a:off x="1978634" y="4784565"/>
+            <a:ext cx="1135906" cy="1"/>
+          </a:xfrm>
+          <a:prstGeom prst="straightConnector1">
+            <a:avLst/>
+          </a:prstGeom>
+          <a:ln>
+            <a:solidFill>
+              <a:schemeClr val="tx1"/>
+            </a:solidFill>
+            <a:tailEnd type="triangle"/>
+          </a:ln>
+        </p:spPr>
+        <p:style>
+          <a:lnRef idx="2">
+            <a:schemeClr val="accent1"/>
+          </a:lnRef>
+          <a:fillRef idx="0">
+            <a:schemeClr val="accent1"/>
+          </a:fillRef>
+          <a:effectRef idx="1">
+            <a:schemeClr val="accent1"/>
+          </a:effectRef>
+          <a:fontRef idx="minor">
+            <a:schemeClr val="tx1"/>
+          </a:fontRef>
+        </p:style>
+      </p:cxnSp>
+      <p:cxnSp>
+        <p:nvCxnSpPr>
+          <p:cNvPr id="31" name="Verbinder: gewinkelt 30">
+            <a:extLst>
+              <a:ext uri="{FF2B5EF4-FFF2-40B4-BE49-F238E27FC236}">
+                <a16:creationId xmlns:a16="http://schemas.microsoft.com/office/drawing/2014/main" id="{96C20A8E-BE3C-ED17-85D1-A80A6167B59E}"/>
+              </a:ext>
+            </a:extLst>
+          </p:cNvPr>
+          <p:cNvCxnSpPr>
+            <a:cxnSpLocks/>
+            <a:stCxn id="18" idx="3"/>
+            <a:endCxn id="16" idx="2"/>
+          </p:cNvCxnSpPr>
+          <p:nvPr/>
+        </p:nvCxnSpPr>
+        <p:spPr>
+          <a:xfrm rot="16200000" flipH="1">
+            <a:off x="3560991" y="3182844"/>
+            <a:ext cx="578722" cy="4939607"/>
+          </a:xfrm>
+          <a:prstGeom prst="bentConnector2">
+            <a:avLst/>
+          </a:prstGeom>
+          <a:ln>
+            <a:solidFill>
+              <a:schemeClr val="tx1"/>
+            </a:solidFill>
+            <a:tailEnd type="triangle"/>
+          </a:ln>
+        </p:spPr>
+        <p:style>
+          <a:lnRef idx="2">
+            <a:schemeClr val="accent1"/>
+          </a:lnRef>
+          <a:fillRef idx="0">
+            <a:schemeClr val="accent1"/>
+          </a:fillRef>
+          <a:effectRef idx="1">
+            <a:schemeClr val="accent1"/>
+          </a:effectRef>
+          <a:fontRef idx="minor">
+            <a:schemeClr val="tx1"/>
+          </a:fontRef>
+        </p:style>
+      </p:cxnSp>
+      <p:cxnSp>
+        <p:nvCxnSpPr>
+          <p:cNvPr id="33" name="Verbinder: gewinkelt 32">
+            <a:extLst>
+              <a:ext uri="{FF2B5EF4-FFF2-40B4-BE49-F238E27FC236}">
+                <a16:creationId xmlns:a16="http://schemas.microsoft.com/office/drawing/2014/main" id="{8C7E3907-5C07-2974-5721-CBAA63687198}"/>
+              </a:ext>
+            </a:extLst>
+          </p:cNvPr>
+          <p:cNvCxnSpPr>
+            <a:stCxn id="15" idx="3"/>
+            <a:endCxn id="19" idx="2"/>
+          </p:cNvCxnSpPr>
+          <p:nvPr/>
+        </p:nvCxnSpPr>
+        <p:spPr>
+          <a:xfrm>
+            <a:off x="8356475" y="3425125"/>
+            <a:ext cx="1378532" cy="1195884"/>
+          </a:xfrm>
+          <a:prstGeom prst="bentConnector3">
+            <a:avLst/>
+          </a:prstGeom>
+          <a:ln>
+            <a:solidFill>
+              <a:schemeClr val="tx1"/>
+            </a:solidFill>
+            <a:tailEnd type="triangle"/>
+          </a:ln>
+        </p:spPr>
+        <p:style>
+          <a:lnRef idx="2">
+            <a:schemeClr val="accent1"/>
+          </a:lnRef>
+          <a:fillRef idx="0">
+            <a:schemeClr val="accent1"/>
+          </a:fillRef>
+          <a:effectRef idx="1">
+            <a:schemeClr val="accent1"/>
+          </a:effectRef>
+          <a:fontRef idx="minor">
+            <a:schemeClr val="tx1"/>
+          </a:fontRef>
+        </p:style>
+      </p:cxnSp>
+      <p:cxnSp>
+        <p:nvCxnSpPr>
+          <p:cNvPr id="35" name="Verbinder: gewinkelt 34">
+            <a:extLst>
+              <a:ext uri="{FF2B5EF4-FFF2-40B4-BE49-F238E27FC236}">
+                <a16:creationId xmlns:a16="http://schemas.microsoft.com/office/drawing/2014/main" id="{8AA365B9-D625-1F15-8294-3EAA8A6EEE73}"/>
+              </a:ext>
+            </a:extLst>
+          </p:cNvPr>
+          <p:cNvCxnSpPr>
+            <a:cxnSpLocks/>
+            <a:stCxn id="16" idx="5"/>
+            <a:endCxn id="19" idx="2"/>
+          </p:cNvCxnSpPr>
+          <p:nvPr/>
+        </p:nvCxnSpPr>
+        <p:spPr>
+          <a:xfrm flipV="1">
+            <a:off x="8113408" y="4621009"/>
+            <a:ext cx="1621599" cy="1321000"/>
+          </a:xfrm>
+          <a:prstGeom prst="bentConnector3">
+            <a:avLst>
+              <a:gd name="adj1" fmla="val 50000"/>
+            </a:avLst>
+          </a:prstGeom>
+          <a:ln>
+            <a:solidFill>
+              <a:schemeClr val="tx1"/>
+            </a:solidFill>
+            <a:tailEnd type="triangle"/>
+          </a:ln>
+        </p:spPr>
+        <p:style>
+          <a:lnRef idx="2">
+            <a:schemeClr val="accent1"/>
+          </a:lnRef>
+          <a:fillRef idx="0">
+            <a:schemeClr val="accent1"/>
+          </a:fillRef>
+          <a:effectRef idx="1">
+            <a:schemeClr val="accent1"/>
+          </a:effectRef>
+          <a:fontRef idx="minor">
+            <a:schemeClr val="tx1"/>
+          </a:fontRef>
+        </p:style>
+      </p:cxnSp>
+      <p:pic>
+        <p:nvPicPr>
+          <p:cNvPr id="38" name="Grafik 37" descr="Ein Bild, das Clipart, Logo, Symbol, Grafiken enthält.&#10;&#10;KI-generierte Inhalte können fehlerhaft sein.">
+            <a:extLst>
+              <a:ext uri="{FF2B5EF4-FFF2-40B4-BE49-F238E27FC236}">
+                <a16:creationId xmlns:a16="http://schemas.microsoft.com/office/drawing/2014/main" id="{40C67913-8EB3-E1C8-C0A1-346C5503DFFA}"/>
+              </a:ext>
+            </a:extLst>
+          </p:cNvPr>
+          <p:cNvPicPr>
+            <a:picLocks noChangeAspect="1"/>
+          </p:cNvPicPr>
+          <p:nvPr/>
+        </p:nvPicPr>
+        <p:blipFill>
+          <a:blip r:embed="rId3">
+            <a:extLst>
+              <a:ext uri="{28A0092B-C50C-407E-A947-70E740481C1C}">
+                <a14:useLocalDpi xmlns:a14="http://schemas.microsoft.com/office/drawing/2010/main" val="0"/>
+              </a:ext>
+            </a:extLst>
+          </a:blip>
+          <a:stretch>
+            <a:fillRect/>
+          </a:stretch>
+        </p:blipFill>
+        <p:spPr>
+          <a:xfrm>
+            <a:off x="4900390" y="2655182"/>
+            <a:ext cx="808567" cy="808567"/>
+          </a:xfrm>
+          <a:prstGeom prst="rect">
+            <a:avLst/>
+          </a:prstGeom>
+        </p:spPr>
+      </p:pic>
+      <p:pic>
+        <p:nvPicPr>
+          <p:cNvPr id="39" name="Grafik 38" descr="Ein Bild, das Clipart, Logo, Symbol, Grafiken enthält.&#10;&#10;KI-generierte Inhalte können fehlerhaft sein.">
+            <a:extLst>
+              <a:ext uri="{FF2B5EF4-FFF2-40B4-BE49-F238E27FC236}">
+                <a16:creationId xmlns:a16="http://schemas.microsoft.com/office/drawing/2014/main" id="{E5186182-0416-0F9D-CC42-A1262C844DF4}"/>
+              </a:ext>
+            </a:extLst>
+          </p:cNvPr>
+          <p:cNvPicPr>
+            <a:picLocks noChangeAspect="1"/>
+          </p:cNvPicPr>
+          <p:nvPr/>
+        </p:nvPicPr>
+        <p:blipFill>
+          <a:blip r:embed="rId3">
+            <a:extLst>
+              <a:ext uri="{28A0092B-C50C-407E-A947-70E740481C1C}">
+                <a14:useLocalDpi xmlns:a14="http://schemas.microsoft.com/office/drawing/2010/main" val="0"/>
+              </a:ext>
+            </a:extLst>
+          </a:blip>
+          <a:stretch>
+            <a:fillRect/>
+          </a:stretch>
+        </p:blipFill>
+        <p:spPr>
+          <a:xfrm>
+            <a:off x="4891083" y="4042287"/>
+            <a:ext cx="808567" cy="808567"/>
+          </a:xfrm>
+          <a:prstGeom prst="rect">
+            <a:avLst/>
+          </a:prstGeom>
+        </p:spPr>
+      </p:pic>
+      <p:sp>
+        <p:nvSpPr>
+          <p:cNvPr id="77" name="Textfeld 76">
+            <a:extLst>
+              <a:ext uri="{FF2B5EF4-FFF2-40B4-BE49-F238E27FC236}">
+                <a16:creationId xmlns:a16="http://schemas.microsoft.com/office/drawing/2014/main" id="{3527D73C-5FC8-42BB-D859-2C9EEFFA17B6}"/>
+              </a:ext>
+            </a:extLst>
+          </p:cNvPr>
+          <p:cNvSpPr txBox="1"/>
+          <p:nvPr/>
+        </p:nvSpPr>
+        <p:spPr>
+          <a:xfrm>
+            <a:off x="9345610" y="5312465"/>
+            <a:ext cx="1974964" cy="830997"/>
+          </a:xfrm>
+          <a:prstGeom prst="rect">
+            <a:avLst/>
+          </a:prstGeom>
+          <a:noFill/>
+          <a:ln>
+            <a:solidFill>
+              <a:srgbClr val="FF0000"/>
+            </a:solidFill>
+          </a:ln>
+        </p:spPr>
+        <p:txBody>
+          <a:bodyPr wrap="square">
+            <a:spAutoFit/>
+          </a:bodyPr>
+          <a:lstStyle/>
+          <a:p>
+            <a:r>
+              <a:rPr lang="de-DE" sz="1600" b="1" i="0" dirty="0">
+                <a:effectLst/>
+                <a:latin typeface="+mj-lt"/>
+              </a:rPr>
+              <a:t>1163 Reihen</a:t>
+            </a:r>
+          </a:p>
+          <a:p>
+            <a:r>
+              <a:rPr lang="de-DE" sz="1600" b="1" dirty="0">
+                <a:latin typeface="+mj-lt"/>
+              </a:rPr>
+              <a:t>71,8 MB </a:t>
+            </a:r>
+          </a:p>
+          <a:p>
+            <a:r>
+              <a:rPr lang="de-DE" sz="1600" b="1" dirty="0">
+                <a:latin typeface="+mj-lt"/>
+              </a:rPr>
+              <a:t>(75.364.401 Bytes)</a:t>
+            </a:r>
+          </a:p>
+        </p:txBody>
+      </p:sp>
+      <p:sp>
+        <p:nvSpPr>
+          <p:cNvPr id="78" name="Rechteck: abgerundete Ecken 77">
+            <a:extLst>
+              <a:ext uri="{FF2B5EF4-FFF2-40B4-BE49-F238E27FC236}">
+                <a16:creationId xmlns:a16="http://schemas.microsoft.com/office/drawing/2014/main" id="{340A9099-32CA-E16E-458F-4C52777D678A}"/>
+              </a:ext>
+            </a:extLst>
+          </p:cNvPr>
+          <p:cNvSpPr/>
+          <p:nvPr/>
+        </p:nvSpPr>
+        <p:spPr>
+          <a:xfrm>
+            <a:off x="7857253" y="2676068"/>
+            <a:ext cx="938877" cy="499371"/>
+          </a:xfrm>
+          <a:prstGeom prst="roundRect">
+            <a:avLst/>
+          </a:prstGeom>
+        </p:spPr>
+        <p:style>
+          <a:lnRef idx="2">
+            <a:schemeClr val="accent4"/>
+          </a:lnRef>
+          <a:fillRef idx="1">
+            <a:schemeClr val="lt1"/>
+          </a:fillRef>
+          <a:effectRef idx="0">
+            <a:schemeClr val="accent4"/>
+          </a:effectRef>
+          <a:fontRef idx="minor">
+            <a:schemeClr val="dk1"/>
+          </a:fontRef>
+        </p:style>
+        <p:txBody>
+          <a:bodyPr rtlCol="0" anchor="ctr"/>
+          <a:lstStyle/>
+          <a:p>
+            <a:pPr algn="ctr"/>
+            <a:r>
               <a:rPr lang="de-DE" dirty="0"/>
-              <a:t>Wie groß?</a:t>
-            </a:r>
-            <a:br>
+              <a:t>JSONL</a:t>
+            </a:r>
+          </a:p>
+        </p:txBody>
+      </p:sp>
+      <p:sp>
+        <p:nvSpPr>
+          <p:cNvPr id="79" name="Rechteck: abgerundete Ecken 78">
+            <a:extLst>
+              <a:ext uri="{FF2B5EF4-FFF2-40B4-BE49-F238E27FC236}">
+                <a16:creationId xmlns:a16="http://schemas.microsoft.com/office/drawing/2014/main" id="{49EAC461-6BC2-3DAB-2AA1-296993F145C3}"/>
+              </a:ext>
+            </a:extLst>
+          </p:cNvPr>
+          <p:cNvSpPr/>
+          <p:nvPr/>
+        </p:nvSpPr>
+        <p:spPr>
+          <a:xfrm>
+            <a:off x="7790632" y="5249432"/>
+            <a:ext cx="938877" cy="499371"/>
+          </a:xfrm>
+          <a:prstGeom prst="roundRect">
+            <a:avLst/>
+          </a:prstGeom>
+        </p:spPr>
+        <p:style>
+          <a:lnRef idx="2">
+            <a:schemeClr val="accent4"/>
+          </a:lnRef>
+          <a:fillRef idx="1">
+            <a:schemeClr val="lt1"/>
+          </a:fillRef>
+          <a:effectRef idx="0">
+            <a:schemeClr val="accent4"/>
+          </a:effectRef>
+          <a:fontRef idx="minor">
+            <a:schemeClr val="dk1"/>
+          </a:fontRef>
+        </p:style>
+        <p:txBody>
+          <a:bodyPr rtlCol="0" anchor="ctr"/>
+          <a:lstStyle/>
+          <a:p>
+            <a:pPr algn="ctr"/>
+            <a:r>
               <a:rPr lang="de-DE" dirty="0"/>
-            </a:br>
-            <a:r>
-              <a:rPr lang="de-DE" dirty="0" err="1"/>
-              <a:t>Gb</a:t>
-            </a:r>
+              <a:t>JSONL</a:t>
+            </a:r>
+          </a:p>
+        </p:txBody>
+      </p:sp>
+      <p:sp>
+        <p:nvSpPr>
+          <p:cNvPr id="80" name="Rechteck: abgerundete Ecken 79">
+            <a:extLst>
+              <a:ext uri="{FF2B5EF4-FFF2-40B4-BE49-F238E27FC236}">
+                <a16:creationId xmlns:a16="http://schemas.microsoft.com/office/drawing/2014/main" id="{CB5C6BD0-F90C-2A3E-6E10-A7E84A5106AB}"/>
+              </a:ext>
+            </a:extLst>
+          </p:cNvPr>
+          <p:cNvSpPr/>
+          <p:nvPr/>
+        </p:nvSpPr>
+        <p:spPr>
+          <a:xfrm>
+            <a:off x="10461739" y="3944629"/>
+            <a:ext cx="938877" cy="499371"/>
+          </a:xfrm>
+          <a:prstGeom prst="roundRect">
+            <a:avLst/>
+          </a:prstGeom>
+        </p:spPr>
+        <p:style>
+          <a:lnRef idx="2">
+            <a:schemeClr val="accent4"/>
+          </a:lnRef>
+          <a:fillRef idx="1">
+            <a:schemeClr val="lt1"/>
+          </a:fillRef>
+          <a:effectRef idx="0">
+            <a:schemeClr val="accent4"/>
+          </a:effectRef>
+          <a:fontRef idx="minor">
+            <a:schemeClr val="dk1"/>
+          </a:fontRef>
+        </p:style>
+        <p:txBody>
+          <a:bodyPr rtlCol="0" anchor="ctr"/>
+          <a:lstStyle/>
+          <a:p>
+            <a:pPr algn="ctr"/>
             <a:r>
               <a:rPr lang="de-DE" dirty="0"/>
-              <a:t>? </a:t>
-            </a:r>
-            <a:r>
-              <a:rPr lang="de-DE" dirty="0" err="1"/>
-              <a:t>Rows</a:t>
-            </a:r>
+              <a:t>JSONL</a:t>
+            </a:r>
+          </a:p>
+        </p:txBody>
+      </p:sp>
+      <p:sp>
+        <p:nvSpPr>
+          <p:cNvPr id="81" name="Titel 1">
+            <a:extLst>
+              <a:ext uri="{FF2B5EF4-FFF2-40B4-BE49-F238E27FC236}">
+                <a16:creationId xmlns:a16="http://schemas.microsoft.com/office/drawing/2014/main" id="{97A09F55-4177-52D4-291F-592C60044B89}"/>
+              </a:ext>
+            </a:extLst>
+          </p:cNvPr>
+          <p:cNvSpPr>
+            <a:spLocks noGrp="1"/>
+          </p:cNvSpPr>
+          <p:nvPr>
+            <p:ph type="title"/>
+          </p:nvPr>
+        </p:nvSpPr>
+        <p:spPr>
+          <a:xfrm>
+            <a:off x="521208" y="978408"/>
+            <a:ext cx="11155680" cy="860224"/>
+          </a:xfrm>
+        </p:spPr>
+        <p:txBody>
+          <a:bodyPr>
+            <a:normAutofit/>
+          </a:bodyPr>
+          <a:lstStyle/>
+          <a:p>
             <a:r>
               <a:rPr lang="de-DE" dirty="0"/>
-              <a:t>?</a:t>
-            </a:r>
+              <a:t>Datenakquise</a:t>
+            </a:r>
+            <a:endParaRPr lang="de-DE" b="0" dirty="0"/>
+          </a:p>
+        </p:txBody>
+      </p:sp>
+      <p:pic>
+        <p:nvPicPr>
+          <p:cNvPr id="85" name="Grafik 84" descr="Ein Bild, das Schwarz, Dunkelheit enthält.&#10;&#10;KI-generierte Inhalte können fehlerhaft sein.">
+            <a:extLst>
+              <a:ext uri="{FF2B5EF4-FFF2-40B4-BE49-F238E27FC236}">
+                <a16:creationId xmlns:a16="http://schemas.microsoft.com/office/drawing/2014/main" id="{15421922-D284-1AE0-FD5C-F412954AB5DD}"/>
+              </a:ext>
+            </a:extLst>
+          </p:cNvPr>
+          <p:cNvPicPr>
+            <a:picLocks noChangeAspect="1"/>
+          </p:cNvPicPr>
+          <p:nvPr/>
+        </p:nvPicPr>
+        <p:blipFill>
+          <a:blip r:embed="rId4">
+            <a:extLst>
+              <a:ext uri="{28A0092B-C50C-407E-A947-70E740481C1C}">
+                <a14:useLocalDpi xmlns:a14="http://schemas.microsoft.com/office/drawing/2010/main" val="0"/>
+              </a:ext>
+            </a:extLst>
+          </a:blip>
+          <a:stretch>
+            <a:fillRect/>
+          </a:stretch>
+        </p:blipFill>
+        <p:spPr>
+          <a:xfrm>
+            <a:off x="1503887" y="2655505"/>
+            <a:ext cx="619986" cy="619986"/>
+          </a:xfrm>
+          <a:prstGeom prst="rect">
+            <a:avLst/>
+          </a:prstGeom>
+        </p:spPr>
+      </p:pic>
+      <p:pic>
+        <p:nvPicPr>
+          <p:cNvPr id="86" name="Grafik 85" descr="Ein Bild, das Schwarz, Dunkelheit enthält.&#10;&#10;KI-generierte Inhalte können fehlerhaft sein.">
+            <a:extLst>
+              <a:ext uri="{FF2B5EF4-FFF2-40B4-BE49-F238E27FC236}">
+                <a16:creationId xmlns:a16="http://schemas.microsoft.com/office/drawing/2014/main" id="{8CAEDED1-9285-12DA-AE6B-FF3D73A848E0}"/>
+              </a:ext>
+            </a:extLst>
+          </p:cNvPr>
+          <p:cNvPicPr>
+            <a:picLocks noChangeAspect="1"/>
+          </p:cNvPicPr>
+          <p:nvPr/>
+        </p:nvPicPr>
+        <p:blipFill>
+          <a:blip r:embed="rId4">
+            <a:extLst>
+              <a:ext uri="{28A0092B-C50C-407E-A947-70E740481C1C}">
+                <a14:useLocalDpi xmlns:a14="http://schemas.microsoft.com/office/drawing/2010/main" val="0"/>
+              </a:ext>
+            </a:extLst>
+          </a:blip>
+          <a:stretch>
+            <a:fillRect/>
+          </a:stretch>
+        </p:blipFill>
+        <p:spPr>
+          <a:xfrm>
+            <a:off x="1510396" y="4062296"/>
+            <a:ext cx="619986" cy="619986"/>
+          </a:xfrm>
+          <a:prstGeom prst="rect">
+            <a:avLst/>
+          </a:prstGeom>
+        </p:spPr>
+      </p:pic>
+      <p:sp>
+        <p:nvSpPr>
+          <p:cNvPr id="87" name="Sprechblase: rechteckig 86">
+            <a:extLst>
+              <a:ext uri="{FF2B5EF4-FFF2-40B4-BE49-F238E27FC236}">
+                <a16:creationId xmlns:a16="http://schemas.microsoft.com/office/drawing/2014/main" id="{755D0848-AE3B-46AB-F51A-C73B4EDBC78C}"/>
+              </a:ext>
+            </a:extLst>
+          </p:cNvPr>
+          <p:cNvSpPr/>
+          <p:nvPr/>
+        </p:nvSpPr>
+        <p:spPr>
+          <a:xfrm>
+            <a:off x="4174282" y="1615981"/>
+            <a:ext cx="1921718" cy="607614"/>
+          </a:xfrm>
+          <a:prstGeom prst="wedgeRectCallout">
+            <a:avLst>
+              <a:gd name="adj1" fmla="val -40170"/>
+              <a:gd name="adj2" fmla="val 145866"/>
+            </a:avLst>
+          </a:prstGeom>
+        </p:spPr>
+        <p:style>
+          <a:lnRef idx="2">
+            <a:schemeClr val="accent4"/>
+          </a:lnRef>
+          <a:fillRef idx="1">
+            <a:schemeClr val="lt1"/>
+          </a:fillRef>
+          <a:effectRef idx="0">
+            <a:schemeClr val="accent4"/>
+          </a:effectRef>
+          <a:fontRef idx="minor">
+            <a:schemeClr val="dk1"/>
+          </a:fontRef>
+        </p:style>
+        <p:txBody>
+          <a:bodyPr rtlCol="0" anchor="ctr"/>
+          <a:lstStyle/>
+          <a:p>
+            <a:pPr algn="ctr"/>
+            <a:r>
+              <a:rPr lang="de-DE" dirty="0"/>
+              <a:t>Teilmenge der Datenquelle</a:t>
+            </a:r>
+          </a:p>
+        </p:txBody>
+      </p:sp>
+      <p:sp>
+        <p:nvSpPr>
+          <p:cNvPr id="90" name="Foliennummernplatzhalter 89">
+            <a:extLst>
+              <a:ext uri="{FF2B5EF4-FFF2-40B4-BE49-F238E27FC236}">
+                <a16:creationId xmlns:a16="http://schemas.microsoft.com/office/drawing/2014/main" id="{0C5869A6-2B59-E32E-C5C0-6715B872A6E4}"/>
+              </a:ext>
+            </a:extLst>
+          </p:cNvPr>
+          <p:cNvSpPr>
+            <a:spLocks noGrp="1"/>
+          </p:cNvSpPr>
+          <p:nvPr>
+            <p:ph type="sldNum" sz="quarter" idx="12"/>
+          </p:nvPr>
+        </p:nvSpPr>
+        <p:spPr/>
+        <p:txBody>
+          <a:bodyPr/>
+          <a:lstStyle/>
+          <a:p>
+            <a:fld id="{148CC95F-0247-41B6-91CF-DC97C76A7088}" type="slidenum">
+              <a:rPr lang="en-US" smtClean="0"/>
+              <a:t>4</a:t>
+            </a:fld>
+            <a:endParaRPr lang="en-US"/>
           </a:p>
         </p:txBody>
       </p:sp>
@@ -7349,21 +9231,185 @@
             <p:ph type="title"/>
           </p:nvPr>
         </p:nvSpPr>
-        <p:spPr/>
+        <p:spPr>
+          <a:xfrm>
+            <a:off x="521208" y="978408"/>
+            <a:ext cx="11155680" cy="850392"/>
+          </a:xfrm>
+        </p:spPr>
         <p:txBody>
           <a:bodyPr/>
           <a:lstStyle/>
           <a:p>
-            <a:endParaRPr lang="de-DE" dirty="0"/>
-          </a:p>
-        </p:txBody>
-      </p:sp>
-      <p:sp>
-        <p:nvSpPr>
-          <p:cNvPr id="3" name="Inhaltsplatzhalter 2">
-            <a:extLst>
-              <a:ext uri="{FF2B5EF4-FFF2-40B4-BE49-F238E27FC236}">
-                <a16:creationId xmlns:a16="http://schemas.microsoft.com/office/drawing/2014/main" id="{A91B4F5E-94C0-D60B-FEEA-A157077E55B0}"/>
+            <a:r>
+              <a:rPr lang="de-DE" dirty="0"/>
+              <a:t>Datenanalyse</a:t>
+            </a:r>
+          </a:p>
+        </p:txBody>
+      </p:sp>
+      <p:pic>
+        <p:nvPicPr>
+          <p:cNvPr id="12" name="Grafik 11" descr="Ein Bild, das Text, Screenshot, Reihe, Diagramm enthält.&#10;&#10;KI-generierte Inhalte können fehlerhaft sein.">
+            <a:extLst>
+              <a:ext uri="{FF2B5EF4-FFF2-40B4-BE49-F238E27FC236}">
+                <a16:creationId xmlns:a16="http://schemas.microsoft.com/office/drawing/2014/main" id="{DF41B4B7-8AD4-B9A2-8638-CB7A4A9474D7}"/>
+              </a:ext>
+            </a:extLst>
+          </p:cNvPr>
+          <p:cNvPicPr>
+            <a:picLocks noChangeAspect="1"/>
+          </p:cNvPicPr>
+          <p:nvPr/>
+        </p:nvPicPr>
+        <p:blipFill>
+          <a:blip r:embed="rId2">
+            <a:extLst>
+              <a:ext uri="{28A0092B-C50C-407E-A947-70E740481C1C}">
+                <a14:useLocalDpi xmlns:a14="http://schemas.microsoft.com/office/drawing/2010/main" val="0"/>
+              </a:ext>
+            </a:extLst>
+          </a:blip>
+          <a:stretch>
+            <a:fillRect/>
+          </a:stretch>
+        </p:blipFill>
+        <p:spPr>
+          <a:xfrm>
+            <a:off x="1147133" y="1828800"/>
+            <a:ext cx="9897734" cy="4907280"/>
+          </a:xfrm>
+          <a:prstGeom prst="rect">
+            <a:avLst/>
+          </a:prstGeom>
+          <a:ln>
+            <a:noFill/>
+          </a:ln>
+        </p:spPr>
+      </p:pic>
+      <p:pic>
+        <p:nvPicPr>
+          <p:cNvPr id="14" name="Grafik 13" descr="Ein Bild, das Text, Screenshot, Zahl, Diagramm enthält.&#10;&#10;KI-generierte Inhalte können fehlerhaft sein.">
+            <a:extLst>
+              <a:ext uri="{FF2B5EF4-FFF2-40B4-BE49-F238E27FC236}">
+                <a16:creationId xmlns:a16="http://schemas.microsoft.com/office/drawing/2014/main" id="{6E4CC5A7-876A-29EE-DE22-AB14F0FEDFA6}"/>
+              </a:ext>
+            </a:extLst>
+          </p:cNvPr>
+          <p:cNvPicPr>
+            <a:picLocks noChangeAspect="1"/>
+          </p:cNvPicPr>
+          <p:nvPr/>
+        </p:nvPicPr>
+        <p:blipFill>
+          <a:blip r:embed="rId3">
+            <a:extLst>
+              <a:ext uri="{28A0092B-C50C-407E-A947-70E740481C1C}">
+                <a14:useLocalDpi xmlns:a14="http://schemas.microsoft.com/office/drawing/2010/main" val="0"/>
+              </a:ext>
+            </a:extLst>
+          </a:blip>
+          <a:stretch>
+            <a:fillRect/>
+          </a:stretch>
+        </p:blipFill>
+        <p:spPr>
+          <a:xfrm>
+            <a:off x="2161227" y="1841884"/>
+            <a:ext cx="7869545" cy="4881111"/>
+          </a:xfrm>
+          <a:prstGeom prst="rect">
+            <a:avLst/>
+          </a:prstGeom>
+          <a:ln>
+            <a:noFill/>
+          </a:ln>
+        </p:spPr>
+      </p:pic>
+      <p:pic>
+        <p:nvPicPr>
+          <p:cNvPr id="8" name="Grafik 7" descr="Ein Bild, das Text, Reihe, Diagramm, Screenshot enthält.&#10;&#10;KI-generierte Inhalte können fehlerhaft sein.">
+            <a:extLst>
+              <a:ext uri="{FF2B5EF4-FFF2-40B4-BE49-F238E27FC236}">
+                <a16:creationId xmlns:a16="http://schemas.microsoft.com/office/drawing/2014/main" id="{E6777D23-E6C5-84F7-3B56-92CCA3E79710}"/>
+              </a:ext>
+            </a:extLst>
+          </p:cNvPr>
+          <p:cNvPicPr>
+            <a:picLocks noChangeAspect="1"/>
+          </p:cNvPicPr>
+          <p:nvPr/>
+        </p:nvPicPr>
+        <p:blipFill>
+          <a:blip r:embed="rId4">
+            <a:extLst>
+              <a:ext uri="{28A0092B-C50C-407E-A947-70E740481C1C}">
+                <a14:useLocalDpi xmlns:a14="http://schemas.microsoft.com/office/drawing/2010/main" val="0"/>
+              </a:ext>
+            </a:extLst>
+          </a:blip>
+          <a:stretch>
+            <a:fillRect/>
+          </a:stretch>
+        </p:blipFill>
+        <p:spPr>
+          <a:xfrm>
+            <a:off x="1835939" y="1838076"/>
+            <a:ext cx="8194833" cy="4888728"/>
+          </a:xfrm>
+          <a:prstGeom prst="rect">
+            <a:avLst/>
+          </a:prstGeom>
+          <a:ln>
+            <a:noFill/>
+          </a:ln>
+        </p:spPr>
+      </p:pic>
+      <p:pic>
+        <p:nvPicPr>
+          <p:cNvPr id="10" name="Grafik 9" descr="Ein Bild, das Text, Screenshot, Reihe, Diagramm enthält.&#10;&#10;KI-generierte Inhalte können fehlerhaft sein.">
+            <a:extLst>
+              <a:ext uri="{FF2B5EF4-FFF2-40B4-BE49-F238E27FC236}">
+                <a16:creationId xmlns:a16="http://schemas.microsoft.com/office/drawing/2014/main" id="{9A3E1676-03EE-903D-7614-E047C42B9C1E}"/>
+              </a:ext>
+            </a:extLst>
+          </p:cNvPr>
+          <p:cNvPicPr>
+            <a:picLocks noChangeAspect="1"/>
+          </p:cNvPicPr>
+          <p:nvPr/>
+        </p:nvPicPr>
+        <p:blipFill>
+          <a:blip r:embed="rId5">
+            <a:extLst>
+              <a:ext uri="{28A0092B-C50C-407E-A947-70E740481C1C}">
+                <a14:useLocalDpi xmlns:a14="http://schemas.microsoft.com/office/drawing/2010/main" val="0"/>
+              </a:ext>
+            </a:extLst>
+          </a:blip>
+          <a:stretch>
+            <a:fillRect/>
+          </a:stretch>
+        </p:blipFill>
+        <p:spPr>
+          <a:xfrm>
+            <a:off x="1988576" y="1929133"/>
+            <a:ext cx="7889557" cy="4706613"/>
+          </a:xfrm>
+          <a:prstGeom prst="rect">
+            <a:avLst/>
+          </a:prstGeom>
+          <a:ln>
+            <a:noFill/>
+          </a:ln>
+        </p:spPr>
+      </p:pic>
+      <p:sp>
+        <p:nvSpPr>
+          <p:cNvPr id="16" name="Foliennummernplatzhalter 15">
+            <a:extLst>
+              <a:ext uri="{FF2B5EF4-FFF2-40B4-BE49-F238E27FC236}">
+                <a16:creationId xmlns:a16="http://schemas.microsoft.com/office/drawing/2014/main" id="{E5522B57-440D-9A1A-40E1-B08AA6F01F2E}"/>
               </a:ext>
             </a:extLst>
           </p:cNvPr>
@@ -7371,7 +9417,7 @@
             <a:spLocks noGrp="1"/>
           </p:cNvSpPr>
           <p:nvPr>
-            <p:ph idx="1"/>
+            <p:ph type="sldNum" sz="quarter" idx="12"/>
           </p:nvPr>
         </p:nvSpPr>
         <p:spPr/>
@@ -7379,121 +9425,11 @@
           <a:bodyPr/>
           <a:lstStyle/>
           <a:p>
-            <a:pPr marL="0" indent="0">
-              <a:buNone/>
-            </a:pPr>
-            <a:r>
-              <a:rPr lang="de-DE" b="0" i="0" dirty="0">
-                <a:solidFill>
-                  <a:srgbClr val="000000"/>
-                </a:solidFill>
-                <a:effectLst/>
-                <a:latin typeface="-apple-system"/>
-              </a:rPr>
-              <a:t>Besonderheiten oder Herausforderungen bei der Verarbeitung des Datensatzes</a:t>
-            </a:r>
-          </a:p>
-          <a:p>
-            <a:pPr marL="0" indent="0">
-              <a:buNone/>
-            </a:pPr>
-            <a:r>
-              <a:rPr lang="de-DE" dirty="0">
-                <a:solidFill>
-                  <a:srgbClr val="000000"/>
-                </a:solidFill>
-                <a:latin typeface="-apple-system"/>
-              </a:rPr>
-              <a:t>- Besonderheit: </a:t>
-            </a:r>
-            <a:r>
-              <a:rPr lang="de-DE" dirty="0" err="1">
-                <a:solidFill>
-                  <a:srgbClr val="000000"/>
-                </a:solidFill>
-                <a:latin typeface="-apple-system"/>
-              </a:rPr>
-              <a:t>Stemming</a:t>
-            </a:r>
-            <a:r>
-              <a:rPr lang="de-DE" dirty="0">
-                <a:solidFill>
-                  <a:srgbClr val="000000"/>
-                </a:solidFill>
-                <a:latin typeface="-apple-system"/>
-              </a:rPr>
-              <a:t> auf Englisch, etc.</a:t>
-            </a:r>
-            <a:endParaRPr lang="de-DE" b="0" i="0" dirty="0">
-              <a:solidFill>
-                <a:srgbClr val="000000"/>
-              </a:solidFill>
-              <a:effectLst/>
-              <a:latin typeface="-apple-system"/>
-            </a:endParaRPr>
-          </a:p>
-          <a:p>
-            <a:endParaRPr lang="de-DE" dirty="0"/>
-          </a:p>
-        </p:txBody>
-      </p:sp>
-      <p:sp>
-        <p:nvSpPr>
-          <p:cNvPr id="4" name="Rechteck: abgerundete Ecken 3">
-            <a:extLst>
-              <a:ext uri="{FF2B5EF4-FFF2-40B4-BE49-F238E27FC236}">
-                <a16:creationId xmlns:a16="http://schemas.microsoft.com/office/drawing/2014/main" id="{F5948564-3F16-3E25-5D86-916CEFD5C429}"/>
-              </a:ext>
-            </a:extLst>
-          </p:cNvPr>
-          <p:cNvSpPr/>
-          <p:nvPr/>
-        </p:nvSpPr>
-        <p:spPr>
-          <a:xfrm>
-            <a:off x="5449957" y="3160643"/>
-            <a:ext cx="1736034" cy="1381377"/>
-          </a:xfrm>
-          <a:prstGeom prst="roundRect">
-            <a:avLst/>
-          </a:prstGeom>
-        </p:spPr>
-        <p:style>
-          <a:lnRef idx="2">
-            <a:schemeClr val="accent1">
-              <a:shade val="15000"/>
-            </a:schemeClr>
-          </a:lnRef>
-          <a:fillRef idx="1">
-            <a:schemeClr val="accent1"/>
-          </a:fillRef>
-          <a:effectRef idx="0">
-            <a:schemeClr val="accent1"/>
-          </a:effectRef>
-          <a:fontRef idx="minor">
-            <a:schemeClr val="lt1"/>
-          </a:fontRef>
-        </p:style>
-        <p:txBody>
-          <a:bodyPr rtlCol="0" anchor="ctr"/>
-          <a:lstStyle/>
-          <a:p>
-            <a:pPr algn="ctr"/>
-            <a:r>
-              <a:rPr lang="de-DE" dirty="0"/>
-              <a:t>Erste Datenanalyse</a:t>
-            </a:r>
-          </a:p>
-          <a:p>
-            <a:pPr algn="ctr"/>
-            <a:endParaRPr lang="de-DE" dirty="0"/>
-          </a:p>
-          <a:p>
-            <a:pPr algn="ctr"/>
-            <a:r>
-              <a:rPr lang="de-DE" dirty="0"/>
-              <a:t>optional</a:t>
-            </a:r>
+            <a:fld id="{148CC95F-0247-41B6-91CF-DC97C76A7088}" type="slidenum">
+              <a:rPr lang="en-US" smtClean="0"/>
+              <a:t>5</a:t>
+            </a:fld>
+            <a:endParaRPr lang="en-US"/>
           </a:p>
         </p:txBody>
       </p:sp>
@@ -7507,6 +9443,582 @@
   <p:clrMapOvr>
     <a:masterClrMapping/>
   </p:clrMapOvr>
+  <p:timing>
+    <p:tnLst>
+      <p:par>
+        <p:cTn id="1" dur="indefinite" restart="never" nodeType="tmRoot">
+          <p:childTnLst>
+            <p:seq concurrent="1" nextAc="seek">
+              <p:cTn id="2" dur="indefinite" nodeType="mainSeq">
+                <p:childTnLst>
+                  <p:par>
+                    <p:cTn id="3" fill="hold">
+                      <p:stCondLst>
+                        <p:cond delay="indefinite"/>
+                      </p:stCondLst>
+                      <p:childTnLst>
+                        <p:par>
+                          <p:cTn id="4" fill="hold">
+                            <p:stCondLst>
+                              <p:cond delay="0"/>
+                            </p:stCondLst>
+                            <p:childTnLst>
+                              <p:par>
+                                <p:cTn id="5" presetID="2" presetClass="exit" presetSubtype="8" fill="hold" nodeType="clickEffect">
+                                  <p:stCondLst>
+                                    <p:cond delay="0"/>
+                                  </p:stCondLst>
+                                  <p:childTnLst>
+                                    <p:anim calcmode="lin" valueType="num">
+                                      <p:cBhvr additive="base">
+                                        <p:cTn id="6" dur="500"/>
+                                        <p:tgtEl>
+                                          <p:spTgt spid="12"/>
+                                        </p:tgtEl>
+                                        <p:attrNameLst>
+                                          <p:attrName>ppt_x</p:attrName>
+                                        </p:attrNameLst>
+                                      </p:cBhvr>
+                                      <p:tavLst>
+                                        <p:tav tm="0">
+                                          <p:val>
+                                            <p:strVal val="ppt_x"/>
+                                          </p:val>
+                                        </p:tav>
+                                        <p:tav tm="100000">
+                                          <p:val>
+                                            <p:strVal val="0-ppt_w/2"/>
+                                          </p:val>
+                                        </p:tav>
+                                      </p:tavLst>
+                                    </p:anim>
+                                    <p:anim calcmode="lin" valueType="num">
+                                      <p:cBhvr additive="base">
+                                        <p:cTn id="7" dur="500"/>
+                                        <p:tgtEl>
+                                          <p:spTgt spid="12"/>
+                                        </p:tgtEl>
+                                        <p:attrNameLst>
+                                          <p:attrName>ppt_y</p:attrName>
+                                        </p:attrNameLst>
+                                      </p:cBhvr>
+                                      <p:tavLst>
+                                        <p:tav tm="0">
+                                          <p:val>
+                                            <p:strVal val="ppt_y"/>
+                                          </p:val>
+                                        </p:tav>
+                                        <p:tav tm="100000">
+                                          <p:val>
+                                            <p:strVal val="ppt_y"/>
+                                          </p:val>
+                                        </p:tav>
+                                      </p:tavLst>
+                                    </p:anim>
+                                    <p:set>
+                                      <p:cBhvr>
+                                        <p:cTn id="8" dur="1" fill="hold">
+                                          <p:stCondLst>
+                                            <p:cond delay="499"/>
+                                          </p:stCondLst>
+                                        </p:cTn>
+                                        <p:tgtEl>
+                                          <p:spTgt spid="12"/>
+                                        </p:tgtEl>
+                                        <p:attrNameLst>
+                                          <p:attrName>style.visibility</p:attrName>
+                                        </p:attrNameLst>
+                                      </p:cBhvr>
+                                      <p:to>
+                                        <p:strVal val="hidden"/>
+                                      </p:to>
+                                    </p:set>
+                                  </p:childTnLst>
+                                </p:cTn>
+                              </p:par>
+                            </p:childTnLst>
+                          </p:cTn>
+                        </p:par>
+                      </p:childTnLst>
+                    </p:cTn>
+                  </p:par>
+                  <p:par>
+                    <p:cTn id="9" fill="hold">
+                      <p:stCondLst>
+                        <p:cond delay="indefinite"/>
+                      </p:stCondLst>
+                      <p:childTnLst>
+                        <p:par>
+                          <p:cTn id="10" fill="hold">
+                            <p:stCondLst>
+                              <p:cond delay="0"/>
+                            </p:stCondLst>
+                            <p:childTnLst>
+                              <p:par>
+                                <p:cTn id="11" presetID="2" presetClass="entr" presetSubtype="2" fill="hold" nodeType="clickEffect">
+                                  <p:stCondLst>
+                                    <p:cond delay="0"/>
+                                  </p:stCondLst>
+                                  <p:childTnLst>
+                                    <p:set>
+                                      <p:cBhvr>
+                                        <p:cTn id="12" dur="1" fill="hold">
+                                          <p:stCondLst>
+                                            <p:cond delay="0"/>
+                                          </p:stCondLst>
+                                        </p:cTn>
+                                        <p:tgtEl>
+                                          <p:spTgt spid="14"/>
+                                        </p:tgtEl>
+                                        <p:attrNameLst>
+                                          <p:attrName>style.visibility</p:attrName>
+                                        </p:attrNameLst>
+                                      </p:cBhvr>
+                                      <p:to>
+                                        <p:strVal val="visible"/>
+                                      </p:to>
+                                    </p:set>
+                                    <p:anim calcmode="lin" valueType="num">
+                                      <p:cBhvr additive="base">
+                                        <p:cTn id="13" dur="500" fill="hold"/>
+                                        <p:tgtEl>
+                                          <p:spTgt spid="14"/>
+                                        </p:tgtEl>
+                                        <p:attrNameLst>
+                                          <p:attrName>ppt_x</p:attrName>
+                                        </p:attrNameLst>
+                                      </p:cBhvr>
+                                      <p:tavLst>
+                                        <p:tav tm="0">
+                                          <p:val>
+                                            <p:strVal val="1+#ppt_w/2"/>
+                                          </p:val>
+                                        </p:tav>
+                                        <p:tav tm="100000">
+                                          <p:val>
+                                            <p:strVal val="#ppt_x"/>
+                                          </p:val>
+                                        </p:tav>
+                                      </p:tavLst>
+                                    </p:anim>
+                                    <p:anim calcmode="lin" valueType="num">
+                                      <p:cBhvr additive="base">
+                                        <p:cTn id="14" dur="500" fill="hold"/>
+                                        <p:tgtEl>
+                                          <p:spTgt spid="14"/>
+                                        </p:tgtEl>
+                                        <p:attrNameLst>
+                                          <p:attrName>ppt_y</p:attrName>
+                                        </p:attrNameLst>
+                                      </p:cBhvr>
+                                      <p:tavLst>
+                                        <p:tav tm="0">
+                                          <p:val>
+                                            <p:strVal val="#ppt_y"/>
+                                          </p:val>
+                                        </p:tav>
+                                        <p:tav tm="100000">
+                                          <p:val>
+                                            <p:strVal val="#ppt_y"/>
+                                          </p:val>
+                                        </p:tav>
+                                      </p:tavLst>
+                                    </p:anim>
+                                  </p:childTnLst>
+                                </p:cTn>
+                              </p:par>
+                            </p:childTnLst>
+                          </p:cTn>
+                        </p:par>
+                      </p:childTnLst>
+                    </p:cTn>
+                  </p:par>
+                  <p:par>
+                    <p:cTn id="15" fill="hold">
+                      <p:stCondLst>
+                        <p:cond delay="indefinite"/>
+                      </p:stCondLst>
+                      <p:childTnLst>
+                        <p:par>
+                          <p:cTn id="16" fill="hold">
+                            <p:stCondLst>
+                              <p:cond delay="0"/>
+                            </p:stCondLst>
+                            <p:childTnLst>
+                              <p:par>
+                                <p:cTn id="17" presetID="2" presetClass="exit" presetSubtype="8" fill="hold" nodeType="clickEffect">
+                                  <p:stCondLst>
+                                    <p:cond delay="0"/>
+                                  </p:stCondLst>
+                                  <p:childTnLst>
+                                    <p:anim calcmode="lin" valueType="num">
+                                      <p:cBhvr additive="base">
+                                        <p:cTn id="18" dur="500"/>
+                                        <p:tgtEl>
+                                          <p:spTgt spid="14"/>
+                                        </p:tgtEl>
+                                        <p:attrNameLst>
+                                          <p:attrName>ppt_x</p:attrName>
+                                        </p:attrNameLst>
+                                      </p:cBhvr>
+                                      <p:tavLst>
+                                        <p:tav tm="0">
+                                          <p:val>
+                                            <p:strVal val="ppt_x"/>
+                                          </p:val>
+                                        </p:tav>
+                                        <p:tav tm="100000">
+                                          <p:val>
+                                            <p:strVal val="0-ppt_w/2"/>
+                                          </p:val>
+                                        </p:tav>
+                                      </p:tavLst>
+                                    </p:anim>
+                                    <p:anim calcmode="lin" valueType="num">
+                                      <p:cBhvr additive="base">
+                                        <p:cTn id="19" dur="500"/>
+                                        <p:tgtEl>
+                                          <p:spTgt spid="14"/>
+                                        </p:tgtEl>
+                                        <p:attrNameLst>
+                                          <p:attrName>ppt_y</p:attrName>
+                                        </p:attrNameLst>
+                                      </p:cBhvr>
+                                      <p:tavLst>
+                                        <p:tav tm="0">
+                                          <p:val>
+                                            <p:strVal val="ppt_y"/>
+                                          </p:val>
+                                        </p:tav>
+                                        <p:tav tm="100000">
+                                          <p:val>
+                                            <p:strVal val="ppt_y"/>
+                                          </p:val>
+                                        </p:tav>
+                                      </p:tavLst>
+                                    </p:anim>
+                                    <p:set>
+                                      <p:cBhvr>
+                                        <p:cTn id="20" dur="1" fill="hold">
+                                          <p:stCondLst>
+                                            <p:cond delay="499"/>
+                                          </p:stCondLst>
+                                        </p:cTn>
+                                        <p:tgtEl>
+                                          <p:spTgt spid="14"/>
+                                        </p:tgtEl>
+                                        <p:attrNameLst>
+                                          <p:attrName>style.visibility</p:attrName>
+                                        </p:attrNameLst>
+                                      </p:cBhvr>
+                                      <p:to>
+                                        <p:strVal val="hidden"/>
+                                      </p:to>
+                                    </p:set>
+                                  </p:childTnLst>
+                                </p:cTn>
+                              </p:par>
+                            </p:childTnLst>
+                          </p:cTn>
+                        </p:par>
+                      </p:childTnLst>
+                    </p:cTn>
+                  </p:par>
+                  <p:par>
+                    <p:cTn id="21" fill="hold">
+                      <p:stCondLst>
+                        <p:cond delay="indefinite"/>
+                      </p:stCondLst>
+                      <p:childTnLst>
+                        <p:par>
+                          <p:cTn id="22" fill="hold">
+                            <p:stCondLst>
+                              <p:cond delay="0"/>
+                            </p:stCondLst>
+                            <p:childTnLst>
+                              <p:par>
+                                <p:cTn id="23" presetID="2" presetClass="entr" presetSubtype="2" fill="hold" nodeType="clickEffect">
+                                  <p:stCondLst>
+                                    <p:cond delay="0"/>
+                                  </p:stCondLst>
+                                  <p:childTnLst>
+                                    <p:set>
+                                      <p:cBhvr>
+                                        <p:cTn id="24" dur="1" fill="hold">
+                                          <p:stCondLst>
+                                            <p:cond delay="0"/>
+                                          </p:stCondLst>
+                                        </p:cTn>
+                                        <p:tgtEl>
+                                          <p:spTgt spid="8"/>
+                                        </p:tgtEl>
+                                        <p:attrNameLst>
+                                          <p:attrName>style.visibility</p:attrName>
+                                        </p:attrNameLst>
+                                      </p:cBhvr>
+                                      <p:to>
+                                        <p:strVal val="visible"/>
+                                      </p:to>
+                                    </p:set>
+                                    <p:anim calcmode="lin" valueType="num">
+                                      <p:cBhvr additive="base">
+                                        <p:cTn id="25" dur="500" fill="hold"/>
+                                        <p:tgtEl>
+                                          <p:spTgt spid="8"/>
+                                        </p:tgtEl>
+                                        <p:attrNameLst>
+                                          <p:attrName>ppt_x</p:attrName>
+                                        </p:attrNameLst>
+                                      </p:cBhvr>
+                                      <p:tavLst>
+                                        <p:tav tm="0">
+                                          <p:val>
+                                            <p:strVal val="1+#ppt_w/2"/>
+                                          </p:val>
+                                        </p:tav>
+                                        <p:tav tm="100000">
+                                          <p:val>
+                                            <p:strVal val="#ppt_x"/>
+                                          </p:val>
+                                        </p:tav>
+                                      </p:tavLst>
+                                    </p:anim>
+                                    <p:anim calcmode="lin" valueType="num">
+                                      <p:cBhvr additive="base">
+                                        <p:cTn id="26" dur="500" fill="hold"/>
+                                        <p:tgtEl>
+                                          <p:spTgt spid="8"/>
+                                        </p:tgtEl>
+                                        <p:attrNameLst>
+                                          <p:attrName>ppt_y</p:attrName>
+                                        </p:attrNameLst>
+                                      </p:cBhvr>
+                                      <p:tavLst>
+                                        <p:tav tm="0">
+                                          <p:val>
+                                            <p:strVal val="#ppt_y"/>
+                                          </p:val>
+                                        </p:tav>
+                                        <p:tav tm="100000">
+                                          <p:val>
+                                            <p:strVal val="#ppt_y"/>
+                                          </p:val>
+                                        </p:tav>
+                                      </p:tavLst>
+                                    </p:anim>
+                                  </p:childTnLst>
+                                </p:cTn>
+                              </p:par>
+                            </p:childTnLst>
+                          </p:cTn>
+                        </p:par>
+                      </p:childTnLst>
+                    </p:cTn>
+                  </p:par>
+                  <p:par>
+                    <p:cTn id="27" fill="hold">
+                      <p:stCondLst>
+                        <p:cond delay="indefinite"/>
+                      </p:stCondLst>
+                      <p:childTnLst>
+                        <p:par>
+                          <p:cTn id="28" fill="hold">
+                            <p:stCondLst>
+                              <p:cond delay="0"/>
+                            </p:stCondLst>
+                            <p:childTnLst>
+                              <p:par>
+                                <p:cTn id="29" presetID="2" presetClass="exit" presetSubtype="8" fill="hold" nodeType="clickEffect">
+                                  <p:stCondLst>
+                                    <p:cond delay="0"/>
+                                  </p:stCondLst>
+                                  <p:childTnLst>
+                                    <p:anim calcmode="lin" valueType="num">
+                                      <p:cBhvr additive="base">
+                                        <p:cTn id="30" dur="500"/>
+                                        <p:tgtEl>
+                                          <p:spTgt spid="8"/>
+                                        </p:tgtEl>
+                                        <p:attrNameLst>
+                                          <p:attrName>ppt_x</p:attrName>
+                                        </p:attrNameLst>
+                                      </p:cBhvr>
+                                      <p:tavLst>
+                                        <p:tav tm="0">
+                                          <p:val>
+                                            <p:strVal val="ppt_x"/>
+                                          </p:val>
+                                        </p:tav>
+                                        <p:tav tm="100000">
+                                          <p:val>
+                                            <p:strVal val="0-ppt_w/2"/>
+                                          </p:val>
+                                        </p:tav>
+                                      </p:tavLst>
+                                    </p:anim>
+                                    <p:anim calcmode="lin" valueType="num">
+                                      <p:cBhvr additive="base">
+                                        <p:cTn id="31" dur="500"/>
+                                        <p:tgtEl>
+                                          <p:spTgt spid="8"/>
+                                        </p:tgtEl>
+                                        <p:attrNameLst>
+                                          <p:attrName>ppt_y</p:attrName>
+                                        </p:attrNameLst>
+                                      </p:cBhvr>
+                                      <p:tavLst>
+                                        <p:tav tm="0">
+                                          <p:val>
+                                            <p:strVal val="ppt_y"/>
+                                          </p:val>
+                                        </p:tav>
+                                        <p:tav tm="100000">
+                                          <p:val>
+                                            <p:strVal val="ppt_y"/>
+                                          </p:val>
+                                        </p:tav>
+                                      </p:tavLst>
+                                    </p:anim>
+                                    <p:set>
+                                      <p:cBhvr>
+                                        <p:cTn id="32" dur="1" fill="hold">
+                                          <p:stCondLst>
+                                            <p:cond delay="499"/>
+                                          </p:stCondLst>
+                                        </p:cTn>
+                                        <p:tgtEl>
+                                          <p:spTgt spid="8"/>
+                                        </p:tgtEl>
+                                        <p:attrNameLst>
+                                          <p:attrName>style.visibility</p:attrName>
+                                        </p:attrNameLst>
+                                      </p:cBhvr>
+                                      <p:to>
+                                        <p:strVal val="hidden"/>
+                                      </p:to>
+                                    </p:set>
+                                  </p:childTnLst>
+                                </p:cTn>
+                              </p:par>
+                            </p:childTnLst>
+                          </p:cTn>
+                        </p:par>
+                      </p:childTnLst>
+                    </p:cTn>
+                  </p:par>
+                  <p:par>
+                    <p:cTn id="33" fill="hold">
+                      <p:stCondLst>
+                        <p:cond delay="indefinite"/>
+                      </p:stCondLst>
+                      <p:childTnLst>
+                        <p:par>
+                          <p:cTn id="34" fill="hold">
+                            <p:stCondLst>
+                              <p:cond delay="0"/>
+                            </p:stCondLst>
+                            <p:childTnLst>
+                              <p:par>
+                                <p:cTn id="35" presetID="2" presetClass="entr" presetSubtype="2" fill="hold" nodeType="clickEffect">
+                                  <p:stCondLst>
+                                    <p:cond delay="0"/>
+                                  </p:stCondLst>
+                                  <p:childTnLst>
+                                    <p:set>
+                                      <p:cBhvr>
+                                        <p:cTn id="36" dur="1" fill="hold">
+                                          <p:stCondLst>
+                                            <p:cond delay="0"/>
+                                          </p:stCondLst>
+                                        </p:cTn>
+                                        <p:tgtEl>
+                                          <p:spTgt spid="10"/>
+                                        </p:tgtEl>
+                                        <p:attrNameLst>
+                                          <p:attrName>style.visibility</p:attrName>
+                                        </p:attrNameLst>
+                                      </p:cBhvr>
+                                      <p:to>
+                                        <p:strVal val="visible"/>
+                                      </p:to>
+                                    </p:set>
+                                    <p:anim calcmode="lin" valueType="num">
+                                      <p:cBhvr additive="base">
+                                        <p:cTn id="37" dur="500" fill="hold"/>
+                                        <p:tgtEl>
+                                          <p:spTgt spid="10"/>
+                                        </p:tgtEl>
+                                        <p:attrNameLst>
+                                          <p:attrName>ppt_x</p:attrName>
+                                        </p:attrNameLst>
+                                      </p:cBhvr>
+                                      <p:tavLst>
+                                        <p:tav tm="0">
+                                          <p:val>
+                                            <p:strVal val="1+#ppt_w/2"/>
+                                          </p:val>
+                                        </p:tav>
+                                        <p:tav tm="100000">
+                                          <p:val>
+                                            <p:strVal val="#ppt_x"/>
+                                          </p:val>
+                                        </p:tav>
+                                      </p:tavLst>
+                                    </p:anim>
+                                    <p:anim calcmode="lin" valueType="num">
+                                      <p:cBhvr additive="base">
+                                        <p:cTn id="38" dur="500" fill="hold"/>
+                                        <p:tgtEl>
+                                          <p:spTgt spid="10"/>
+                                        </p:tgtEl>
+                                        <p:attrNameLst>
+                                          <p:attrName>ppt_y</p:attrName>
+                                        </p:attrNameLst>
+                                      </p:cBhvr>
+                                      <p:tavLst>
+                                        <p:tav tm="0">
+                                          <p:val>
+                                            <p:strVal val="#ppt_y"/>
+                                          </p:val>
+                                        </p:tav>
+                                        <p:tav tm="100000">
+                                          <p:val>
+                                            <p:strVal val="#ppt_y"/>
+                                          </p:val>
+                                        </p:tav>
+                                      </p:tavLst>
+                                    </p:anim>
+                                  </p:childTnLst>
+                                </p:cTn>
+                              </p:par>
+                            </p:childTnLst>
+                          </p:cTn>
+                        </p:par>
+                      </p:childTnLst>
+                    </p:cTn>
+                  </p:par>
+                </p:childTnLst>
+              </p:cTn>
+              <p:prevCondLst>
+                <p:cond evt="onPrev" delay="0">
+                  <p:tgtEl>
+                    <p:sldTgt/>
+                  </p:tgtEl>
+                </p:cond>
+              </p:prevCondLst>
+              <p:nextCondLst>
+                <p:cond evt="onNext" delay="0">
+                  <p:tgtEl>
+                    <p:sldTgt/>
+                  </p:tgtEl>
+                </p:cond>
+              </p:nextCondLst>
+            </p:seq>
+          </p:childTnLst>
+        </p:cTn>
+      </p:par>
+    </p:tnLst>
+  </p:timing>
 </p:sld>
 </file>
 
